--- a/Rampv07ColorGamble.pptx
+++ b/Rampv07ColorGamble.pptx
@@ -8,19 +8,19 @@
     <p:sldId id="256" r:id="rId2"/>
     <p:sldId id="259" r:id="rId3"/>
     <p:sldId id="260" r:id="rId4"/>
-    <p:sldId id="261" r:id="rId5"/>
-    <p:sldId id="263" r:id="rId6"/>
-    <p:sldId id="264" r:id="rId7"/>
-    <p:sldId id="265" r:id="rId8"/>
-    <p:sldId id="266" r:id="rId9"/>
-    <p:sldId id="267" r:id="rId10"/>
-    <p:sldId id="268" r:id="rId11"/>
-    <p:sldId id="286" r:id="rId12"/>
-    <p:sldId id="269" r:id="rId13"/>
+    <p:sldId id="292" r:id="rId5"/>
+    <p:sldId id="261" r:id="rId6"/>
+    <p:sldId id="293" r:id="rId7"/>
+    <p:sldId id="263" r:id="rId8"/>
+    <p:sldId id="264" r:id="rId9"/>
+    <p:sldId id="265" r:id="rId10"/>
+    <p:sldId id="266" r:id="rId11"/>
+    <p:sldId id="267" r:id="rId12"/>
+    <p:sldId id="268" r:id="rId13"/>
     <p:sldId id="284" r:id="rId14"/>
     <p:sldId id="285" r:id="rId15"/>
-    <p:sldId id="289" r:id="rId16"/>
-    <p:sldId id="291" r:id="rId17"/>
+    <p:sldId id="294" r:id="rId16"/>
+    <p:sldId id="296" r:id="rId17"/>
   </p:sldIdLst>
   <p:sldSz cx="12192000" cy="6858000"/>
   <p:notesSz cx="6858000" cy="9144000"/>
@@ -274,7 +274,7 @@
           <a:p>
             <a:fld id="{D2D6774E-C203-41F8-A813-3A63284E1131}" type="datetimeFigureOut">
               <a:rPr lang="en-US" smtClean="0"/>
-              <a:t>12/3/2018</a:t>
+              <a:t>12/4/2018</a:t>
             </a:fld>
             <a:endParaRPr lang="en-US"/>
           </a:p>
@@ -472,7 +472,7 @@
           <a:p>
             <a:fld id="{D2D6774E-C203-41F8-A813-3A63284E1131}" type="datetimeFigureOut">
               <a:rPr lang="en-US" smtClean="0"/>
-              <a:t>12/3/2018</a:t>
+              <a:t>12/4/2018</a:t>
             </a:fld>
             <a:endParaRPr lang="en-US"/>
           </a:p>
@@ -680,7 +680,7 @@
           <a:p>
             <a:fld id="{D2D6774E-C203-41F8-A813-3A63284E1131}" type="datetimeFigureOut">
               <a:rPr lang="en-US" smtClean="0"/>
-              <a:t>12/3/2018</a:t>
+              <a:t>12/4/2018</a:t>
             </a:fld>
             <a:endParaRPr lang="en-US"/>
           </a:p>
@@ -878,7 +878,7 @@
           <a:p>
             <a:fld id="{D2D6774E-C203-41F8-A813-3A63284E1131}" type="datetimeFigureOut">
               <a:rPr lang="en-US" smtClean="0"/>
-              <a:t>12/3/2018</a:t>
+              <a:t>12/4/2018</a:t>
             </a:fld>
             <a:endParaRPr lang="en-US"/>
           </a:p>
@@ -1153,7 +1153,7 @@
           <a:p>
             <a:fld id="{D2D6774E-C203-41F8-A813-3A63284E1131}" type="datetimeFigureOut">
               <a:rPr lang="en-US" smtClean="0"/>
-              <a:t>12/3/2018</a:t>
+              <a:t>12/4/2018</a:t>
             </a:fld>
             <a:endParaRPr lang="en-US"/>
           </a:p>
@@ -1418,7 +1418,7 @@
           <a:p>
             <a:fld id="{D2D6774E-C203-41F8-A813-3A63284E1131}" type="datetimeFigureOut">
               <a:rPr lang="en-US" smtClean="0"/>
-              <a:t>12/3/2018</a:t>
+              <a:t>12/4/2018</a:t>
             </a:fld>
             <a:endParaRPr lang="en-US"/>
           </a:p>
@@ -1830,7 +1830,7 @@
           <a:p>
             <a:fld id="{D2D6774E-C203-41F8-A813-3A63284E1131}" type="datetimeFigureOut">
               <a:rPr lang="en-US" smtClean="0"/>
-              <a:t>12/3/2018</a:t>
+              <a:t>12/4/2018</a:t>
             </a:fld>
             <a:endParaRPr lang="en-US"/>
           </a:p>
@@ -1971,7 +1971,7 @@
           <a:p>
             <a:fld id="{D2D6774E-C203-41F8-A813-3A63284E1131}" type="datetimeFigureOut">
               <a:rPr lang="en-US" smtClean="0"/>
-              <a:t>12/3/2018</a:t>
+              <a:t>12/4/2018</a:t>
             </a:fld>
             <a:endParaRPr lang="en-US"/>
           </a:p>
@@ -2084,7 +2084,7 @@
           <a:p>
             <a:fld id="{D2D6774E-C203-41F8-A813-3A63284E1131}" type="datetimeFigureOut">
               <a:rPr lang="en-US" smtClean="0"/>
-              <a:t>12/3/2018</a:t>
+              <a:t>12/4/2018</a:t>
             </a:fld>
             <a:endParaRPr lang="en-US"/>
           </a:p>
@@ -2395,7 +2395,7 @@
           <a:p>
             <a:fld id="{D2D6774E-C203-41F8-A813-3A63284E1131}" type="datetimeFigureOut">
               <a:rPr lang="en-US" smtClean="0"/>
-              <a:t>12/3/2018</a:t>
+              <a:t>12/4/2018</a:t>
             </a:fld>
             <a:endParaRPr lang="en-US"/>
           </a:p>
@@ -2683,7 +2683,7 @@
           <a:p>
             <a:fld id="{D2D6774E-C203-41F8-A813-3A63284E1131}" type="datetimeFigureOut">
               <a:rPr lang="en-US" smtClean="0"/>
-              <a:t>12/3/2018</a:t>
+              <a:t>12/4/2018</a:t>
             </a:fld>
             <a:endParaRPr lang="en-US"/>
           </a:p>
@@ -2924,7 +2924,7 @@
           <a:p>
             <a:fld id="{D2D6774E-C203-41F8-A813-3A63284E1131}" type="datetimeFigureOut">
               <a:rPr lang="en-US" smtClean="0"/>
-              <a:t>12/3/2018</a:t>
+              <a:t>12/4/2018</a:t>
             </a:fld>
             <a:endParaRPr lang="en-US"/>
           </a:p>
@@ -3394,13 +3394,13 @@
           <a:p>
             <a:r>
               <a:rPr lang="en-US" dirty="0"/>
-              <a:t>12.1.18</a:t>
+              <a:t>12.3.18</a:t>
             </a:r>
           </a:p>
           <a:p>
             <a:r>
               <a:rPr lang="en-US" dirty="0"/>
-              <a:t>10 participants – 7 useable</a:t>
+              <a:t>45 participants – 26 useable</a:t>
             </a:r>
           </a:p>
         </p:txBody>
@@ -3465,17 +3465,17 @@
           <a:p>
             <a:r>
               <a:rPr lang="en-US" sz="2400" dirty="0"/>
-              <a:t>High value </a:t>
+              <a:t>Low value (previously called odds)</a:t>
             </a:r>
           </a:p>
         </p:txBody>
       </p:sp>
       <p:pic>
         <p:nvPicPr>
-          <p:cNvPr id="7" name="Picture 6">
-            <a:extLst>
-              <a:ext uri="{FF2B5EF4-FFF2-40B4-BE49-F238E27FC236}">
-                <a16:creationId xmlns:a16="http://schemas.microsoft.com/office/drawing/2014/main" id="{6A5D0269-5EFD-40D8-A272-9A1EBFB385CC}"/>
+          <p:cNvPr id="2" name="Picture 1">
+            <a:extLst>
+              <a:ext uri="{FF2B5EF4-FFF2-40B4-BE49-F238E27FC236}">
+                <a16:creationId xmlns:a16="http://schemas.microsoft.com/office/drawing/2014/main" id="{BE7EAACD-2081-4C23-8D2C-D145DC2C05AB}"/>
               </a:ext>
             </a:extLst>
           </p:cNvPr>
@@ -3492,8 +3492,8 @@
         </p:blipFill>
         <p:spPr>
           <a:xfrm>
-            <a:off x="512527" y="811634"/>
-            <a:ext cx="3947619" cy="2414286"/>
+            <a:off x="346774" y="977114"/>
+            <a:ext cx="5394808" cy="2860530"/>
           </a:xfrm>
           <a:prstGeom prst="rect">
             <a:avLst/>
@@ -3502,10 +3502,10 @@
       </p:pic>
       <p:pic>
         <p:nvPicPr>
-          <p:cNvPr id="8" name="Picture 7">
-            <a:extLst>
-              <a:ext uri="{FF2B5EF4-FFF2-40B4-BE49-F238E27FC236}">
-                <a16:creationId xmlns:a16="http://schemas.microsoft.com/office/drawing/2014/main" id="{B75300D5-0E15-41B4-8FC4-825FEF6128CD}"/>
+          <p:cNvPr id="3" name="Picture 2">
+            <a:extLst>
+              <a:ext uri="{FF2B5EF4-FFF2-40B4-BE49-F238E27FC236}">
+                <a16:creationId xmlns:a16="http://schemas.microsoft.com/office/drawing/2014/main" id="{5E16D704-384C-4559-960A-F8D3146E56B4}"/>
               </a:ext>
             </a:extLst>
           </p:cNvPr>
@@ -3522,8 +3522,8 @@
         </p:blipFill>
         <p:spPr>
           <a:xfrm>
-            <a:off x="7060737" y="995915"/>
-            <a:ext cx="3615559" cy="2211204"/>
+            <a:off x="6619983" y="977114"/>
+            <a:ext cx="4937608" cy="2618105"/>
           </a:xfrm>
           <a:prstGeom prst="rect">
             <a:avLst/>
@@ -3532,10 +3532,10 @@
       </p:pic>
       <p:pic>
         <p:nvPicPr>
-          <p:cNvPr id="9" name="Picture 8">
-            <a:extLst>
-              <a:ext uri="{FF2B5EF4-FFF2-40B4-BE49-F238E27FC236}">
-                <a16:creationId xmlns:a16="http://schemas.microsoft.com/office/drawing/2014/main" id="{0AA857A2-090E-491C-BA74-A2DB548871AA}"/>
+          <p:cNvPr id="7" name="Picture 6">
+            <a:extLst>
+              <a:ext uri="{FF2B5EF4-FFF2-40B4-BE49-F238E27FC236}">
+                <a16:creationId xmlns:a16="http://schemas.microsoft.com/office/drawing/2014/main" id="{27F2117C-96B6-4A40-95E1-95B9761E9B3E}"/>
               </a:ext>
             </a:extLst>
           </p:cNvPr>
@@ -3552,8 +3552,8 @@
         </p:blipFill>
         <p:spPr>
           <a:xfrm>
-            <a:off x="361526" y="4037554"/>
-            <a:ext cx="3947620" cy="2414286"/>
+            <a:off x="662206" y="3921557"/>
+            <a:ext cx="4763944" cy="2526022"/>
           </a:xfrm>
           <a:prstGeom prst="rect">
             <a:avLst/>
@@ -3562,10 +3562,10 @@
       </p:pic>
       <p:pic>
         <p:nvPicPr>
-          <p:cNvPr id="10" name="Picture 9">
-            <a:extLst>
-              <a:ext uri="{FF2B5EF4-FFF2-40B4-BE49-F238E27FC236}">
-                <a16:creationId xmlns:a16="http://schemas.microsoft.com/office/drawing/2014/main" id="{2C010E50-541D-467B-857C-5383E6836739}"/>
+          <p:cNvPr id="11" name="Picture 10">
+            <a:extLst>
+              <a:ext uri="{FF2B5EF4-FFF2-40B4-BE49-F238E27FC236}">
+                <a16:creationId xmlns:a16="http://schemas.microsoft.com/office/drawing/2014/main" id="{D8E24035-094E-4705-9E4A-8FF30CC42713}"/>
               </a:ext>
             </a:extLst>
           </p:cNvPr>
@@ -3582,8 +3582,8 @@
         </p:blipFill>
         <p:spPr>
           <a:xfrm>
-            <a:off x="7023337" y="4116222"/>
-            <a:ext cx="3690357" cy="2256949"/>
+            <a:off x="6580997" y="3837644"/>
+            <a:ext cx="5079376" cy="2693276"/>
           </a:xfrm>
           <a:prstGeom prst="rect">
             <a:avLst/>
@@ -3593,7 +3593,7 @@
     </p:spTree>
     <p:extLst>
       <p:ext uri="{BB962C8B-B14F-4D97-AF65-F5344CB8AC3E}">
-        <p14:creationId xmlns:p14="http://schemas.microsoft.com/office/powerpoint/2010/main" val="4077936452"/>
+        <p14:creationId xmlns:p14="http://schemas.microsoft.com/office/powerpoint/2010/main" val="4138266969"/>
       </p:ext>
     </p:extLst>
   </p:cSld>
@@ -3650,7 +3650,7 @@
           <a:p>
             <a:r>
               <a:rPr lang="en-US" sz="2400" dirty="0"/>
-              <a:t>High RPE trials only </a:t>
+              <a:t>Mid value</a:t>
             </a:r>
           </a:p>
         </p:txBody>
@@ -3660,7 +3660,7 @@
           <p:cNvPr id="2" name="Picture 1">
             <a:extLst>
               <a:ext uri="{FF2B5EF4-FFF2-40B4-BE49-F238E27FC236}">
-                <a16:creationId xmlns:a16="http://schemas.microsoft.com/office/drawing/2014/main" id="{D7F42FC3-D8E4-4E1D-A59A-97049A1EAE5B}"/>
+                <a16:creationId xmlns:a16="http://schemas.microsoft.com/office/drawing/2014/main" id="{E4CACC67-4B7D-405B-9216-934E1C164CAF}"/>
               </a:ext>
             </a:extLst>
           </p:cNvPr>
@@ -3677,8 +3677,8 @@
         </p:blipFill>
         <p:spPr>
           <a:xfrm>
-            <a:off x="286025" y="977114"/>
-            <a:ext cx="3530966" cy="2159469"/>
+            <a:off x="311893" y="824171"/>
+            <a:ext cx="4589716" cy="2433640"/>
           </a:xfrm>
           <a:prstGeom prst="rect">
             <a:avLst/>
@@ -3687,10 +3687,10 @@
       </p:pic>
       <p:pic>
         <p:nvPicPr>
-          <p:cNvPr id="3" name="Picture 2">
-            <a:extLst>
-              <a:ext uri="{FF2B5EF4-FFF2-40B4-BE49-F238E27FC236}">
-                <a16:creationId xmlns:a16="http://schemas.microsoft.com/office/drawing/2014/main" id="{4EF1FD36-3041-4B57-909A-24F78A5D2A5B}"/>
+          <p:cNvPr id="5" name="Picture 4">
+            <a:extLst>
+              <a:ext uri="{FF2B5EF4-FFF2-40B4-BE49-F238E27FC236}">
+                <a16:creationId xmlns:a16="http://schemas.microsoft.com/office/drawing/2014/main" id="{A876BA86-FE26-4DD7-A4D9-204BF0815893}"/>
               </a:ext>
             </a:extLst>
           </p:cNvPr>
@@ -3707,8 +3707,8 @@
         </p:blipFill>
         <p:spPr>
           <a:xfrm>
-            <a:off x="7371526" y="849706"/>
-            <a:ext cx="3947619" cy="2414286"/>
+            <a:off x="6223595" y="658675"/>
+            <a:ext cx="5224687" cy="2770325"/>
           </a:xfrm>
           <a:prstGeom prst="rect">
             <a:avLst/>
@@ -3717,10 +3717,10 @@
       </p:pic>
       <p:pic>
         <p:nvPicPr>
-          <p:cNvPr id="5" name="Picture 4">
-            <a:extLst>
-              <a:ext uri="{FF2B5EF4-FFF2-40B4-BE49-F238E27FC236}">
-                <a16:creationId xmlns:a16="http://schemas.microsoft.com/office/drawing/2014/main" id="{7C8A887A-04EE-4855-9191-9E0D724DE90E}"/>
+          <p:cNvPr id="6" name="Picture 5">
+            <a:extLst>
+              <a:ext uri="{FF2B5EF4-FFF2-40B4-BE49-F238E27FC236}">
+                <a16:creationId xmlns:a16="http://schemas.microsoft.com/office/drawing/2014/main" id="{8E7F0973-5CF7-429B-A5C8-16E48A44CFED}"/>
               </a:ext>
             </a:extLst>
           </p:cNvPr>
@@ -3737,8 +3737,8 @@
         </p:blipFill>
         <p:spPr>
           <a:xfrm>
-            <a:off x="286026" y="4090363"/>
-            <a:ext cx="4210474" cy="2575043"/>
+            <a:off x="290624" y="3600191"/>
+            <a:ext cx="5172707" cy="2742763"/>
           </a:xfrm>
           <a:prstGeom prst="rect">
             <a:avLst/>
@@ -3750,7 +3750,7 @@
           <p:cNvPr id="11" name="Picture 10">
             <a:extLst>
               <a:ext uri="{FF2B5EF4-FFF2-40B4-BE49-F238E27FC236}">
-                <a16:creationId xmlns:a16="http://schemas.microsoft.com/office/drawing/2014/main" id="{C2B083D7-3CF5-4BB3-8D57-36771226B0D9}"/>
+                <a16:creationId xmlns:a16="http://schemas.microsoft.com/office/drawing/2014/main" id="{A0D31811-114B-4E2E-8D3F-1E2F73AFF2B8}"/>
               </a:ext>
             </a:extLst>
           </p:cNvPr>
@@ -3767,8 +3767,8 @@
         </p:blipFill>
         <p:spPr>
           <a:xfrm>
-            <a:off x="7371526" y="4090363"/>
-            <a:ext cx="3874914" cy="2369821"/>
+            <a:off x="6489404" y="3723344"/>
+            <a:ext cx="5057553" cy="2681704"/>
           </a:xfrm>
           <a:prstGeom prst="rect">
             <a:avLst/>
@@ -3778,7 +3778,7 @@
     </p:spTree>
     <p:extLst>
       <p:ext uri="{BB962C8B-B14F-4D97-AF65-F5344CB8AC3E}">
-        <p14:creationId xmlns:p14="http://schemas.microsoft.com/office/powerpoint/2010/main" val="1821065100"/>
+        <p14:creationId xmlns:p14="http://schemas.microsoft.com/office/powerpoint/2010/main" val="2130673036"/>
       </p:ext>
     </p:extLst>
   </p:cSld>
@@ -3807,10 +3807,10 @@
       </p:grpSpPr>
       <p:sp>
         <p:nvSpPr>
-          <p:cNvPr id="2" name="Title 1">
-            <a:extLst>
-              <a:ext uri="{FF2B5EF4-FFF2-40B4-BE49-F238E27FC236}">
-                <a16:creationId xmlns:a16="http://schemas.microsoft.com/office/drawing/2014/main" id="{AD584A5A-8240-4177-827B-788B43A7CF95}"/>
+          <p:cNvPr id="4" name="Title 1">
+            <a:extLst>
+              <a:ext uri="{FF2B5EF4-FFF2-40B4-BE49-F238E27FC236}">
+                <a16:creationId xmlns:a16="http://schemas.microsoft.com/office/drawing/2014/main" id="{F90A0724-B0F6-4615-A9A9-B38E3C20CF20}"/>
               </a:ext>
             </a:extLst>
           </p:cNvPr>
@@ -3823,8 +3823,8 @@
         </p:nvSpPr>
         <p:spPr>
           <a:xfrm>
-            <a:off x="410362" y="180567"/>
-            <a:ext cx="11334225" cy="868057"/>
+            <a:off x="175470" y="0"/>
+            <a:ext cx="9169866" cy="977114"/>
           </a:xfrm>
         </p:spPr>
         <p:txBody>
@@ -3835,56 +3835,17 @@
           <a:p>
             <a:r>
               <a:rPr lang="en-US" sz="2400" dirty="0"/>
-              <a:t>Participants who showed downwards decreasing RT slope, p&lt; .1 (n= 17)</a:t>
-            </a:r>
-          </a:p>
-        </p:txBody>
-      </p:sp>
-      <p:sp>
-        <p:nvSpPr>
-          <p:cNvPr id="5" name="TextBox 4">
-            <a:extLst>
-              <a:ext uri="{FF2B5EF4-FFF2-40B4-BE49-F238E27FC236}">
-                <a16:creationId xmlns:a16="http://schemas.microsoft.com/office/drawing/2014/main" id="{B0AA506D-A337-45D7-92EA-7D2588147729}"/>
-              </a:ext>
-            </a:extLst>
-          </p:cNvPr>
-          <p:cNvSpPr txBox="1"/>
-          <p:nvPr/>
-        </p:nvSpPr>
-        <p:spPr>
-          <a:xfrm>
-            <a:off x="123617" y="6459185"/>
-            <a:ext cx="1827616" cy="369332"/>
-          </a:xfrm>
-          <a:prstGeom prst="rect">
-            <a:avLst/>
-          </a:prstGeom>
-          <a:noFill/>
-        </p:spPr>
-        <p:txBody>
-          <a:bodyPr wrap="none" rtlCol="0">
-            <a:spAutoFit/>
-          </a:bodyPr>
-          <a:lstStyle/>
-          <a:p>
-            <a:r>
-              <a:rPr lang="en-US" dirty="0" err="1"/>
-              <a:t>OddsScore</a:t>
-            </a:r>
-            <a:r>
-              <a:rPr lang="en-US" dirty="0"/>
-              <a:t>: 50.76</a:t>
+              <a:t>High value </a:t>
             </a:r>
           </a:p>
         </p:txBody>
       </p:sp>
       <p:pic>
         <p:nvPicPr>
-          <p:cNvPr id="8" name="Picture 7">
-            <a:extLst>
-              <a:ext uri="{FF2B5EF4-FFF2-40B4-BE49-F238E27FC236}">
-                <a16:creationId xmlns:a16="http://schemas.microsoft.com/office/drawing/2014/main" id="{B68B5690-4776-4E4D-B48A-4B056CB2E04D}"/>
+          <p:cNvPr id="2" name="Picture 1">
+            <a:extLst>
+              <a:ext uri="{FF2B5EF4-FFF2-40B4-BE49-F238E27FC236}">
+                <a16:creationId xmlns:a16="http://schemas.microsoft.com/office/drawing/2014/main" id="{0CAC7AED-BC29-41C7-AAB0-918D89F3E7F3}"/>
               </a:ext>
             </a:extLst>
           </p:cNvPr>
@@ -3901,8 +3862,8 @@
         </p:blipFill>
         <p:spPr>
           <a:xfrm>
-            <a:off x="310009" y="1485912"/>
-            <a:ext cx="3624044" cy="2216394"/>
+            <a:off x="318789" y="690215"/>
+            <a:ext cx="5055749" cy="2680748"/>
           </a:xfrm>
           <a:prstGeom prst="rect">
             <a:avLst/>
@@ -3911,10 +3872,10 @@
       </p:pic>
       <p:pic>
         <p:nvPicPr>
-          <p:cNvPr id="11" name="Picture 10">
-            <a:extLst>
-              <a:ext uri="{FF2B5EF4-FFF2-40B4-BE49-F238E27FC236}">
-                <a16:creationId xmlns:a16="http://schemas.microsoft.com/office/drawing/2014/main" id="{54A71D8F-D305-452F-B53B-3F687EE9E148}"/>
+          <p:cNvPr id="3" name="Picture 2">
+            <a:extLst>
+              <a:ext uri="{FF2B5EF4-FFF2-40B4-BE49-F238E27FC236}">
+                <a16:creationId xmlns:a16="http://schemas.microsoft.com/office/drawing/2014/main" id="{AB09A1AA-2C5D-4C27-B45D-D4F68C295390}"/>
               </a:ext>
             </a:extLst>
           </p:cNvPr>
@@ -3931,8 +3892,8 @@
         </p:blipFill>
         <p:spPr>
           <a:xfrm>
-            <a:off x="421410" y="4058806"/>
-            <a:ext cx="3401242" cy="2080132"/>
+            <a:off x="5644712" y="546765"/>
+            <a:ext cx="5596826" cy="2967647"/>
           </a:xfrm>
           <a:prstGeom prst="rect">
             <a:avLst/>
@@ -3941,10 +3902,10 @@
       </p:pic>
       <p:pic>
         <p:nvPicPr>
-          <p:cNvPr id="12" name="Picture 11">
-            <a:extLst>
-              <a:ext uri="{FF2B5EF4-FFF2-40B4-BE49-F238E27FC236}">
-                <a16:creationId xmlns:a16="http://schemas.microsoft.com/office/drawing/2014/main" id="{C84E1872-AB49-4010-9409-A44B78BE38CA}"/>
+          <p:cNvPr id="5" name="Picture 4">
+            <a:extLst>
+              <a:ext uri="{FF2B5EF4-FFF2-40B4-BE49-F238E27FC236}">
+                <a16:creationId xmlns:a16="http://schemas.microsoft.com/office/drawing/2014/main" id="{C0B132CA-B554-47C9-85D1-4D1AC304EDC2}"/>
               </a:ext>
             </a:extLst>
           </p:cNvPr>
@@ -3961,8 +3922,8 @@
         </p:blipFill>
         <p:spPr>
           <a:xfrm>
-            <a:off x="7202896" y="4171562"/>
-            <a:ext cx="3401242" cy="2080132"/>
+            <a:off x="687572" y="3944761"/>
+            <a:ext cx="5055749" cy="2680748"/>
           </a:xfrm>
           <a:prstGeom prst="rect">
             <a:avLst/>
@@ -3971,10 +3932,10 @@
       </p:pic>
       <p:pic>
         <p:nvPicPr>
-          <p:cNvPr id="14" name="Picture 13">
-            <a:extLst>
-              <a:ext uri="{FF2B5EF4-FFF2-40B4-BE49-F238E27FC236}">
-                <a16:creationId xmlns:a16="http://schemas.microsoft.com/office/drawing/2014/main" id="{A30FE962-02C4-49C8-ADED-6BB83A885B42}"/>
+          <p:cNvPr id="6" name="Picture 5">
+            <a:extLst>
+              <a:ext uri="{FF2B5EF4-FFF2-40B4-BE49-F238E27FC236}">
+                <a16:creationId xmlns:a16="http://schemas.microsoft.com/office/drawing/2014/main" id="{7FF4E3C5-A903-4EA7-B260-EC5AE97293E1}"/>
               </a:ext>
             </a:extLst>
           </p:cNvPr>
@@ -3991,8 +3952,8 @@
         </p:blipFill>
         <p:spPr>
           <a:xfrm>
-            <a:off x="7139830" y="1048624"/>
-            <a:ext cx="3401242" cy="2080132"/>
+            <a:off x="6185789" y="3944761"/>
+            <a:ext cx="5055749" cy="2680748"/>
           </a:xfrm>
           <a:prstGeom prst="rect">
             <a:avLst/>
@@ -4002,7 +3963,7 @@
     </p:spTree>
     <p:extLst>
       <p:ext uri="{BB962C8B-B14F-4D97-AF65-F5344CB8AC3E}">
-        <p14:creationId xmlns:p14="http://schemas.microsoft.com/office/powerpoint/2010/main" val="528269178"/>
+        <p14:creationId xmlns:p14="http://schemas.microsoft.com/office/powerpoint/2010/main" val="4077936452"/>
       </p:ext>
     </p:extLst>
   </p:cSld>
@@ -4059,17 +4020,17 @@
           <a:p>
             <a:r>
               <a:rPr lang="en-US" sz="2400" dirty="0"/>
-              <a:t>Upper quartile of logical gamblers split (n=13)</a:t>
+              <a:t>Upper quartile of logical gamblers split (n=8)</a:t>
             </a:r>
           </a:p>
         </p:txBody>
       </p:sp>
       <p:pic>
         <p:nvPicPr>
-          <p:cNvPr id="4" name="Picture 3">
-            <a:extLst>
-              <a:ext uri="{FF2B5EF4-FFF2-40B4-BE49-F238E27FC236}">
-                <a16:creationId xmlns:a16="http://schemas.microsoft.com/office/drawing/2014/main" id="{FC0B9B9E-7376-4376-B27D-B5B795063E20}"/>
+          <p:cNvPr id="3" name="Picture 2">
+            <a:extLst>
+              <a:ext uri="{FF2B5EF4-FFF2-40B4-BE49-F238E27FC236}">
+                <a16:creationId xmlns:a16="http://schemas.microsoft.com/office/drawing/2014/main" id="{94420E62-A091-4946-B305-BCBCEE024A80}"/>
               </a:ext>
             </a:extLst>
           </p:cNvPr>
@@ -4086,8 +4047,8 @@
         </p:blipFill>
         <p:spPr>
           <a:xfrm>
-            <a:off x="1233981" y="4001070"/>
-            <a:ext cx="3807802" cy="2328776"/>
+            <a:off x="674394" y="1048624"/>
+            <a:ext cx="4926975" cy="2612467"/>
           </a:xfrm>
           <a:prstGeom prst="rect">
             <a:avLst/>
@@ -4096,10 +4057,10 @@
       </p:pic>
       <p:pic>
         <p:nvPicPr>
-          <p:cNvPr id="8" name="Picture 7">
-            <a:extLst>
-              <a:ext uri="{FF2B5EF4-FFF2-40B4-BE49-F238E27FC236}">
-                <a16:creationId xmlns:a16="http://schemas.microsoft.com/office/drawing/2014/main" id="{41CC26D0-7272-40F2-873A-0D7ECE32A525}"/>
+          <p:cNvPr id="5" name="Picture 4">
+            <a:extLst>
+              <a:ext uri="{FF2B5EF4-FFF2-40B4-BE49-F238E27FC236}">
+                <a16:creationId xmlns:a16="http://schemas.microsoft.com/office/drawing/2014/main" id="{0E6C1681-067B-41D8-A2F0-D84E1BA21966}"/>
               </a:ext>
             </a:extLst>
           </p:cNvPr>
@@ -4116,8 +4077,8 @@
         </p:blipFill>
         <p:spPr>
           <a:xfrm>
-            <a:off x="663529" y="931178"/>
-            <a:ext cx="4643751" cy="2840026"/>
+            <a:off x="6439229" y="897694"/>
+            <a:ext cx="4773910" cy="2531306"/>
           </a:xfrm>
           <a:prstGeom prst="rect">
             <a:avLst/>
@@ -4126,10 +4087,10 @@
       </p:pic>
       <p:pic>
         <p:nvPicPr>
-          <p:cNvPr id="9" name="Picture 8">
-            <a:extLst>
-              <a:ext uri="{FF2B5EF4-FFF2-40B4-BE49-F238E27FC236}">
-                <a16:creationId xmlns:a16="http://schemas.microsoft.com/office/drawing/2014/main" id="{9F5978A5-8FF1-4637-B159-C5E01A2F9C88}"/>
+          <p:cNvPr id="6" name="Picture 5">
+            <a:extLst>
+              <a:ext uri="{FF2B5EF4-FFF2-40B4-BE49-F238E27FC236}">
+                <a16:creationId xmlns:a16="http://schemas.microsoft.com/office/drawing/2014/main" id="{D9C592C8-2635-4005-AE56-78D9F1B0A853}"/>
               </a:ext>
             </a:extLst>
           </p:cNvPr>
@@ -4146,8 +4107,8 @@
         </p:blipFill>
         <p:spPr>
           <a:xfrm>
-            <a:off x="7819338" y="4001070"/>
-            <a:ext cx="3807802" cy="2328776"/>
+            <a:off x="410362" y="3918384"/>
+            <a:ext cx="5203422" cy="2759049"/>
           </a:xfrm>
           <a:prstGeom prst="rect">
             <a:avLst/>
@@ -4156,10 +4117,10 @@
       </p:pic>
       <p:pic>
         <p:nvPicPr>
-          <p:cNvPr id="10" name="Picture 9">
-            <a:extLst>
-              <a:ext uri="{FF2B5EF4-FFF2-40B4-BE49-F238E27FC236}">
-                <a16:creationId xmlns:a16="http://schemas.microsoft.com/office/drawing/2014/main" id="{C7396EE8-E73B-45EA-BC3F-8D3217619C10}"/>
+          <p:cNvPr id="7" name="Picture 6">
+            <a:extLst>
+              <a:ext uri="{FF2B5EF4-FFF2-40B4-BE49-F238E27FC236}">
+                <a16:creationId xmlns:a16="http://schemas.microsoft.com/office/drawing/2014/main" id="{ED6C5151-E67F-4A88-8948-4DB2E0F6DA7E}"/>
               </a:ext>
             </a:extLst>
           </p:cNvPr>
@@ -4176,53 +4137,14 @@
         </p:blipFill>
         <p:spPr>
           <a:xfrm>
-            <a:off x="7349556" y="702577"/>
-            <a:ext cx="3947619" cy="2414286"/>
+            <a:off x="6439229" y="3822690"/>
+            <a:ext cx="5203422" cy="2759049"/>
           </a:xfrm>
           <a:prstGeom prst="rect">
             <a:avLst/>
           </a:prstGeom>
         </p:spPr>
       </p:pic>
-      <p:sp>
-        <p:nvSpPr>
-          <p:cNvPr id="11" name="TextBox 10">
-            <a:extLst>
-              <a:ext uri="{FF2B5EF4-FFF2-40B4-BE49-F238E27FC236}">
-                <a16:creationId xmlns:a16="http://schemas.microsoft.com/office/drawing/2014/main" id="{81E67ADF-A8E7-462A-849F-1F7EF3855B02}"/>
-              </a:ext>
-            </a:extLst>
-          </p:cNvPr>
-          <p:cNvSpPr txBox="1"/>
-          <p:nvPr/>
-        </p:nvSpPr>
-        <p:spPr>
-          <a:xfrm>
-            <a:off x="123617" y="6459185"/>
-            <a:ext cx="1535870" cy="369332"/>
-          </a:xfrm>
-          <a:prstGeom prst="rect">
-            <a:avLst/>
-          </a:prstGeom>
-          <a:noFill/>
-        </p:spPr>
-        <p:txBody>
-          <a:bodyPr wrap="none" rtlCol="0">
-            <a:spAutoFit/>
-          </a:bodyPr>
-          <a:lstStyle/>
-          <a:p>
-            <a:r>
-              <a:rPr lang="en-US" dirty="0" err="1"/>
-              <a:t>OddsScore</a:t>
-            </a:r>
-            <a:r>
-              <a:rPr lang="en-US" dirty="0"/>
-              <a:t>: 83</a:t>
-            </a:r>
-          </a:p>
-        </p:txBody>
-      </p:sp>
     </p:spTree>
     <p:extLst>
       <p:ext uri="{BB962C8B-B14F-4D97-AF65-F5344CB8AC3E}">
@@ -4283,17 +4205,17 @@
           <a:p>
             <a:r>
               <a:rPr lang="en-US" sz="2400" dirty="0"/>
-              <a:t>Participants who passed ALL catch Trials (n=8)</a:t>
+              <a:t>Participants who gambled more than 50%; n=7</a:t>
             </a:r>
           </a:p>
         </p:txBody>
       </p:sp>
       <p:pic>
         <p:nvPicPr>
-          <p:cNvPr id="3" name="Picture 2">
-            <a:extLst>
-              <a:ext uri="{FF2B5EF4-FFF2-40B4-BE49-F238E27FC236}">
-                <a16:creationId xmlns:a16="http://schemas.microsoft.com/office/drawing/2014/main" id="{9DB22E79-BBAF-472D-B52F-65A330ED0754}"/>
+          <p:cNvPr id="8" name="Picture 7">
+            <a:extLst>
+              <a:ext uri="{FF2B5EF4-FFF2-40B4-BE49-F238E27FC236}">
+                <a16:creationId xmlns:a16="http://schemas.microsoft.com/office/drawing/2014/main" id="{CDDE2726-D214-410F-9EFB-79BEA0AB9A4C}"/>
               </a:ext>
             </a:extLst>
           </p:cNvPr>
@@ -4310,8 +4232,8 @@
         </p:blipFill>
         <p:spPr>
           <a:xfrm>
-            <a:off x="6493878" y="1174791"/>
-            <a:ext cx="4269197" cy="2610956"/>
+            <a:off x="293997" y="985305"/>
+            <a:ext cx="4968191" cy="2634321"/>
           </a:xfrm>
           <a:prstGeom prst="rect">
             <a:avLst/>
@@ -4320,10 +4242,10 @@
       </p:pic>
       <p:pic>
         <p:nvPicPr>
-          <p:cNvPr id="4" name="Picture 3">
-            <a:extLst>
-              <a:ext uri="{FF2B5EF4-FFF2-40B4-BE49-F238E27FC236}">
-                <a16:creationId xmlns:a16="http://schemas.microsoft.com/office/drawing/2014/main" id="{3808030F-8B18-4AD5-BB18-9997A4CD6AFD}"/>
+          <p:cNvPr id="9" name="Picture 8">
+            <a:extLst>
+              <a:ext uri="{FF2B5EF4-FFF2-40B4-BE49-F238E27FC236}">
+                <a16:creationId xmlns:a16="http://schemas.microsoft.com/office/drawing/2014/main" id="{42743EC1-3563-4457-9915-A5F92499D5C2}"/>
               </a:ext>
             </a:extLst>
           </p:cNvPr>
@@ -4340,8 +4262,8 @@
         </p:blipFill>
         <p:spPr>
           <a:xfrm>
-            <a:off x="604807" y="3881951"/>
-            <a:ext cx="4345497" cy="2657620"/>
+            <a:off x="5896969" y="985305"/>
+            <a:ext cx="4810017" cy="2550451"/>
           </a:xfrm>
           <a:prstGeom prst="rect">
             <a:avLst/>
@@ -4350,10 +4272,10 @@
       </p:pic>
       <p:pic>
         <p:nvPicPr>
-          <p:cNvPr id="5" name="Picture 4">
-            <a:extLst>
-              <a:ext uri="{FF2B5EF4-FFF2-40B4-BE49-F238E27FC236}">
-                <a16:creationId xmlns:a16="http://schemas.microsoft.com/office/drawing/2014/main" id="{F1C23AAB-901C-47CE-A9D9-986A93A8B3DD}"/>
+          <p:cNvPr id="11" name="Picture 10">
+            <a:extLst>
+              <a:ext uri="{FF2B5EF4-FFF2-40B4-BE49-F238E27FC236}">
+                <a16:creationId xmlns:a16="http://schemas.microsoft.com/office/drawing/2014/main" id="{04A2AFEB-B738-40FE-B7A7-0D8BDFCE150A}"/>
               </a:ext>
             </a:extLst>
           </p:cNvPr>
@@ -4370,8 +4292,8 @@
         </p:blipFill>
         <p:spPr>
           <a:xfrm>
-            <a:off x="6654667" y="3617724"/>
-            <a:ext cx="3947618" cy="2414285"/>
+            <a:off x="308174" y="3619626"/>
+            <a:ext cx="5320380" cy="2821065"/>
           </a:xfrm>
           <a:prstGeom prst="rect">
             <a:avLst/>
@@ -4380,10 +4302,10 @@
       </p:pic>
       <p:pic>
         <p:nvPicPr>
-          <p:cNvPr id="6" name="Picture 5">
-            <a:extLst>
-              <a:ext uri="{FF2B5EF4-FFF2-40B4-BE49-F238E27FC236}">
-                <a16:creationId xmlns:a16="http://schemas.microsoft.com/office/drawing/2014/main" id="{997CC378-BCAA-4B38-A45D-DB1381FFF713}"/>
+          <p:cNvPr id="12" name="Picture 11">
+            <a:extLst>
+              <a:ext uri="{FF2B5EF4-FFF2-40B4-BE49-F238E27FC236}">
+                <a16:creationId xmlns:a16="http://schemas.microsoft.com/office/drawing/2014/main" id="{F86401F2-188D-4287-9309-FE6AC2F25F19}"/>
               </a:ext>
             </a:extLst>
           </p:cNvPr>
@@ -4400,94 +4322,14 @@
         </p:blipFill>
         <p:spPr>
           <a:xfrm>
-            <a:off x="1116535" y="1174791"/>
-            <a:ext cx="3656801" cy="2236427"/>
+            <a:off x="6013547" y="3890240"/>
+            <a:ext cx="4810017" cy="2550451"/>
           </a:xfrm>
           <a:prstGeom prst="rect">
             <a:avLst/>
           </a:prstGeom>
         </p:spPr>
       </p:pic>
-      <p:sp>
-        <p:nvSpPr>
-          <p:cNvPr id="7" name="TextBox 6">
-            <a:extLst>
-              <a:ext uri="{FF2B5EF4-FFF2-40B4-BE49-F238E27FC236}">
-                <a16:creationId xmlns:a16="http://schemas.microsoft.com/office/drawing/2014/main" id="{4848CB2F-BDC6-4BCF-821B-0AA29A34AD63}"/>
-              </a:ext>
-            </a:extLst>
-          </p:cNvPr>
-          <p:cNvSpPr txBox="1"/>
-          <p:nvPr/>
-        </p:nvSpPr>
-        <p:spPr>
-          <a:xfrm>
-            <a:off x="7141777" y="6247810"/>
-            <a:ext cx="3834704" cy="400110"/>
-          </a:xfrm>
-          <a:prstGeom prst="rect">
-            <a:avLst/>
-          </a:prstGeom>
-          <a:noFill/>
-        </p:spPr>
-        <p:txBody>
-          <a:bodyPr wrap="none" rtlCol="0">
-            <a:spAutoFit/>
-          </a:bodyPr>
-          <a:lstStyle/>
-          <a:p>
-            <a:r>
-              <a:rPr lang="en-US" sz="1000" dirty="0"/>
-              <a:t>Note: 4 participants in this subgroup were also in the logical gamblers </a:t>
-            </a:r>
-          </a:p>
-          <a:p>
-            <a:r>
-              <a:rPr lang="en-US" sz="1000" dirty="0"/>
-              <a:t>subgroup (meaning they paid attention to odds)</a:t>
-            </a:r>
-          </a:p>
-        </p:txBody>
-      </p:sp>
-      <p:sp>
-        <p:nvSpPr>
-          <p:cNvPr id="14" name="TextBox 13">
-            <a:extLst>
-              <a:ext uri="{FF2B5EF4-FFF2-40B4-BE49-F238E27FC236}">
-                <a16:creationId xmlns:a16="http://schemas.microsoft.com/office/drawing/2014/main" id="{E68A1D89-6FAE-4EDD-849B-DC442F0C0FB3}"/>
-              </a:ext>
-            </a:extLst>
-          </p:cNvPr>
-          <p:cNvSpPr txBox="1"/>
-          <p:nvPr/>
-        </p:nvSpPr>
-        <p:spPr>
-          <a:xfrm>
-            <a:off x="123617" y="6459185"/>
-            <a:ext cx="1535870" cy="369332"/>
-          </a:xfrm>
-          <a:prstGeom prst="rect">
-            <a:avLst/>
-          </a:prstGeom>
-          <a:noFill/>
-        </p:spPr>
-        <p:txBody>
-          <a:bodyPr wrap="none" rtlCol="0">
-            <a:spAutoFit/>
-          </a:bodyPr>
-          <a:lstStyle/>
-          <a:p>
-            <a:r>
-              <a:rPr lang="en-US" dirty="0" err="1"/>
-              <a:t>OddsScore</a:t>
-            </a:r>
-            <a:r>
-              <a:rPr lang="en-US" dirty="0"/>
-              <a:t>: 75</a:t>
-            </a:r>
-          </a:p>
-        </p:txBody>
-      </p:sp>
     </p:spTree>
     <p:extLst>
       <p:ext uri="{BB962C8B-B14F-4D97-AF65-F5344CB8AC3E}">
@@ -4548,17 +4390,17 @@
           <a:p>
             <a:r>
               <a:rPr lang="en-US" sz="2400" dirty="0"/>
-              <a:t>Participants who failed catch trials where they SHOULD have gambled (risk averse participants) n=18</a:t>
+              <a:t>Participants who pressed spacebar (whether gamble or ignore) more than 50%; n=13</a:t>
             </a:r>
           </a:p>
         </p:txBody>
       </p:sp>
       <p:pic>
         <p:nvPicPr>
-          <p:cNvPr id="8" name="Picture 7">
-            <a:extLst>
-              <a:ext uri="{FF2B5EF4-FFF2-40B4-BE49-F238E27FC236}">
-                <a16:creationId xmlns:a16="http://schemas.microsoft.com/office/drawing/2014/main" id="{7CF35130-1AC2-4E44-BA3C-521D86B2C911}"/>
+          <p:cNvPr id="3" name="Picture 2">
+            <a:extLst>
+              <a:ext uri="{FF2B5EF4-FFF2-40B4-BE49-F238E27FC236}">
+                <a16:creationId xmlns:a16="http://schemas.microsoft.com/office/drawing/2014/main" id="{B3689698-60BB-4292-A2B0-AC7F084DE35B}"/>
               </a:ext>
             </a:extLst>
           </p:cNvPr>
@@ -4575,8 +4417,8 @@
         </p:blipFill>
         <p:spPr>
           <a:xfrm>
-            <a:off x="7886450" y="4081560"/>
-            <a:ext cx="4101417" cy="2508345"/>
+            <a:off x="410362" y="1048624"/>
+            <a:ext cx="4444310" cy="2356540"/>
           </a:xfrm>
           <a:prstGeom prst="rect">
             <a:avLst/>
@@ -4585,10 +4427,10 @@
       </p:pic>
       <p:pic>
         <p:nvPicPr>
-          <p:cNvPr id="9" name="Picture 8">
-            <a:extLst>
-              <a:ext uri="{FF2B5EF4-FFF2-40B4-BE49-F238E27FC236}">
-                <a16:creationId xmlns:a16="http://schemas.microsoft.com/office/drawing/2014/main" id="{197CFAEE-9F0E-4A6B-A53D-6A669F2E1995}"/>
+          <p:cNvPr id="4" name="Picture 3">
+            <a:extLst>
+              <a:ext uri="{FF2B5EF4-FFF2-40B4-BE49-F238E27FC236}">
+                <a16:creationId xmlns:a16="http://schemas.microsoft.com/office/drawing/2014/main" id="{4440C981-C9CE-41B7-A48F-BE891ECF7ECF}"/>
               </a:ext>
             </a:extLst>
           </p:cNvPr>
@@ -4605,8 +4447,8 @@
         </p:blipFill>
         <p:spPr>
           <a:xfrm>
-            <a:off x="596418" y="4081560"/>
-            <a:ext cx="3947619" cy="2414286"/>
+            <a:off x="6694411" y="1271908"/>
+            <a:ext cx="4023209" cy="2133256"/>
           </a:xfrm>
           <a:prstGeom prst="rect">
             <a:avLst/>
@@ -4615,10 +4457,10 @@
       </p:pic>
       <p:pic>
         <p:nvPicPr>
-          <p:cNvPr id="10" name="Picture 9">
-            <a:extLst>
-              <a:ext uri="{FF2B5EF4-FFF2-40B4-BE49-F238E27FC236}">
-                <a16:creationId xmlns:a16="http://schemas.microsoft.com/office/drawing/2014/main" id="{6C2BF6EF-B0E9-41F6-A874-59E90AA27ADC}"/>
+          <p:cNvPr id="5" name="Picture 4">
+            <a:extLst>
+              <a:ext uri="{FF2B5EF4-FFF2-40B4-BE49-F238E27FC236}">
+                <a16:creationId xmlns:a16="http://schemas.microsoft.com/office/drawing/2014/main" id="{0DCE5A48-BA9F-4E09-BAF9-514FC43E28D0}"/>
               </a:ext>
             </a:extLst>
           </p:cNvPr>
@@ -4635,59 +4477,20 @@
         </p:blipFill>
         <p:spPr>
           <a:xfrm>
-            <a:off x="512528" y="1173282"/>
-            <a:ext cx="4302753" cy="2631478"/>
+            <a:off x="687015" y="4167964"/>
+            <a:ext cx="4302884" cy="2281550"/>
           </a:xfrm>
           <a:prstGeom prst="rect">
             <a:avLst/>
           </a:prstGeom>
         </p:spPr>
       </p:pic>
-      <p:sp>
-        <p:nvSpPr>
-          <p:cNvPr id="12" name="TextBox 11">
-            <a:extLst>
-              <a:ext uri="{FF2B5EF4-FFF2-40B4-BE49-F238E27FC236}">
-                <a16:creationId xmlns:a16="http://schemas.microsoft.com/office/drawing/2014/main" id="{E4319BC2-4CDD-4BD5-BB42-8FC6A63A7594}"/>
-              </a:ext>
-            </a:extLst>
-          </p:cNvPr>
-          <p:cNvSpPr txBox="1"/>
-          <p:nvPr/>
-        </p:nvSpPr>
-        <p:spPr>
-          <a:xfrm>
-            <a:off x="123617" y="6459185"/>
-            <a:ext cx="1535870" cy="369332"/>
-          </a:xfrm>
-          <a:prstGeom prst="rect">
-            <a:avLst/>
-          </a:prstGeom>
-          <a:noFill/>
-        </p:spPr>
-        <p:txBody>
-          <a:bodyPr wrap="none" rtlCol="0">
-            <a:spAutoFit/>
-          </a:bodyPr>
-          <a:lstStyle/>
-          <a:p>
-            <a:r>
-              <a:rPr lang="en-US" dirty="0" err="1"/>
-              <a:t>OddsScore</a:t>
-            </a:r>
-            <a:r>
-              <a:rPr lang="en-US" dirty="0"/>
-              <a:t>: 43</a:t>
-            </a:r>
-          </a:p>
-        </p:txBody>
-      </p:sp>
       <p:pic>
         <p:nvPicPr>
-          <p:cNvPr id="11" name="Picture 10">
-            <a:extLst>
-              <a:ext uri="{FF2B5EF4-FFF2-40B4-BE49-F238E27FC236}">
-                <a16:creationId xmlns:a16="http://schemas.microsoft.com/office/drawing/2014/main" id="{56C4D1D7-EC20-484C-99D8-019BB3E39CE4}"/>
+          <p:cNvPr id="6" name="Picture 5">
+            <a:extLst>
+              <a:ext uri="{FF2B5EF4-FFF2-40B4-BE49-F238E27FC236}">
+                <a16:creationId xmlns:a16="http://schemas.microsoft.com/office/drawing/2014/main" id="{D06B4F73-9D7F-4D02-BD58-12322E787C0B}"/>
               </a:ext>
             </a:extLst>
           </p:cNvPr>
@@ -4704,8 +4507,8 @@
         </p:blipFill>
         <p:spPr>
           <a:xfrm>
-            <a:off x="6997218" y="906636"/>
-            <a:ext cx="4436977" cy="2713567"/>
+            <a:off x="6077474" y="3944164"/>
+            <a:ext cx="4724957" cy="2505349"/>
           </a:xfrm>
           <a:prstGeom prst="rect">
             <a:avLst/>
@@ -4715,7 +4518,7 @@
     </p:spTree>
     <p:extLst>
       <p:ext uri="{BB962C8B-B14F-4D97-AF65-F5344CB8AC3E}">
-        <p14:creationId xmlns:p14="http://schemas.microsoft.com/office/powerpoint/2010/main" val="3368296889"/>
+        <p14:creationId xmlns:p14="http://schemas.microsoft.com/office/powerpoint/2010/main" val="207422826"/>
       </p:ext>
     </p:extLst>
   </p:cSld>
@@ -4772,17 +4575,17 @@
           <a:p>
             <a:r>
               <a:rPr lang="en-US" sz="2400" dirty="0"/>
-              <a:t>Participants who failed catch trials where they SHOULD NOT have gambled (risk seeking participants) n=40</a:t>
+              <a:t>Male participants; n=20</a:t>
             </a:r>
           </a:p>
         </p:txBody>
       </p:sp>
       <p:pic>
         <p:nvPicPr>
-          <p:cNvPr id="3" name="Picture 2">
-            <a:extLst>
-              <a:ext uri="{FF2B5EF4-FFF2-40B4-BE49-F238E27FC236}">
-                <a16:creationId xmlns:a16="http://schemas.microsoft.com/office/drawing/2014/main" id="{17946F4C-9393-492C-A4CC-A9215E56E002}"/>
+          <p:cNvPr id="7" name="Picture 6">
+            <a:extLst>
+              <a:ext uri="{FF2B5EF4-FFF2-40B4-BE49-F238E27FC236}">
+                <a16:creationId xmlns:a16="http://schemas.microsoft.com/office/drawing/2014/main" id="{926D20CA-864F-4954-903B-B4C43DB04308}"/>
               </a:ext>
             </a:extLst>
           </p:cNvPr>
@@ -4799,8 +4602,8 @@
         </p:blipFill>
         <p:spPr>
           <a:xfrm>
-            <a:off x="260859" y="4100118"/>
-            <a:ext cx="3947619" cy="2414286"/>
+            <a:off x="825240" y="1175430"/>
+            <a:ext cx="3799923" cy="2014861"/>
           </a:xfrm>
           <a:prstGeom prst="rect">
             <a:avLst/>
@@ -4809,10 +4612,10 @@
       </p:pic>
       <p:pic>
         <p:nvPicPr>
-          <p:cNvPr id="4" name="Picture 3">
-            <a:extLst>
-              <a:ext uri="{FF2B5EF4-FFF2-40B4-BE49-F238E27FC236}">
-                <a16:creationId xmlns:a16="http://schemas.microsoft.com/office/drawing/2014/main" id="{BCCD75D1-A3A4-4631-910C-FD301A9DB5C9}"/>
+          <p:cNvPr id="8" name="Picture 7">
+            <a:extLst>
+              <a:ext uri="{FF2B5EF4-FFF2-40B4-BE49-F238E27FC236}">
+                <a16:creationId xmlns:a16="http://schemas.microsoft.com/office/drawing/2014/main" id="{00A6974F-D6AB-4E59-9841-E92F6B91B3E8}"/>
               </a:ext>
             </a:extLst>
           </p:cNvPr>
@@ -4829,8 +4632,8 @@
         </p:blipFill>
         <p:spPr>
           <a:xfrm>
-            <a:off x="502741" y="1310576"/>
-            <a:ext cx="3463854" cy="2118424"/>
+            <a:off x="5992661" y="457601"/>
+            <a:ext cx="5214055" cy="2764688"/>
           </a:xfrm>
           <a:prstGeom prst="rect">
             <a:avLst/>
@@ -4839,10 +4642,10 @@
       </p:pic>
       <p:pic>
         <p:nvPicPr>
-          <p:cNvPr id="5" name="Picture 4">
-            <a:extLst>
-              <a:ext uri="{FF2B5EF4-FFF2-40B4-BE49-F238E27FC236}">
-                <a16:creationId xmlns:a16="http://schemas.microsoft.com/office/drawing/2014/main" id="{E4844FFE-D478-47A3-8AD6-4F6CEE99A37E}"/>
+          <p:cNvPr id="9" name="Picture 8">
+            <a:extLst>
+              <a:ext uri="{FF2B5EF4-FFF2-40B4-BE49-F238E27FC236}">
+                <a16:creationId xmlns:a16="http://schemas.microsoft.com/office/drawing/2014/main" id="{3A2A7A07-3D8D-4DFA-B4D8-F3B31B29BD5F}"/>
               </a:ext>
             </a:extLst>
           </p:cNvPr>
@@ -4859,8 +4662,8 @@
         </p:blipFill>
         <p:spPr>
           <a:xfrm>
-            <a:off x="7634781" y="4155699"/>
-            <a:ext cx="3765858" cy="2303124"/>
+            <a:off x="474364" y="3869237"/>
+            <a:ext cx="4501673" cy="2386956"/>
           </a:xfrm>
           <a:prstGeom prst="rect">
             <a:avLst/>
@@ -4869,10 +4672,10 @@
       </p:pic>
       <p:pic>
         <p:nvPicPr>
-          <p:cNvPr id="6" name="Picture 5">
-            <a:extLst>
-              <a:ext uri="{FF2B5EF4-FFF2-40B4-BE49-F238E27FC236}">
-                <a16:creationId xmlns:a16="http://schemas.microsoft.com/office/drawing/2014/main" id="{E8E035D1-B4E1-48C9-983F-9031432CF4A8}"/>
+          <p:cNvPr id="10" name="Picture 9">
+            <a:extLst>
+              <a:ext uri="{FF2B5EF4-FFF2-40B4-BE49-F238E27FC236}">
+                <a16:creationId xmlns:a16="http://schemas.microsoft.com/office/drawing/2014/main" id="{051396E3-D3F9-4CDA-84E2-DBF2A51746D3}"/>
               </a:ext>
             </a:extLst>
           </p:cNvPr>
@@ -4889,8 +4692,8 @@
         </p:blipFill>
         <p:spPr>
           <a:xfrm>
-            <a:off x="7357945" y="1218226"/>
-            <a:ext cx="3765858" cy="2303124"/>
+            <a:off x="6295689" y="3812860"/>
+            <a:ext cx="4607998" cy="2443333"/>
           </a:xfrm>
           <a:prstGeom prst="rect">
             <a:avLst/>
@@ -4900,7 +4703,7 @@
     </p:spTree>
     <p:extLst>
       <p:ext uri="{BB962C8B-B14F-4D97-AF65-F5344CB8AC3E}">
-        <p14:creationId xmlns:p14="http://schemas.microsoft.com/office/powerpoint/2010/main" val="1976682835"/>
+        <p14:creationId xmlns:p14="http://schemas.microsoft.com/office/powerpoint/2010/main" val="2075132282"/>
       </p:ext>
     </p:extLst>
   </p:cSld>
@@ -4957,8 +4760,13 @@
           <a:p>
             <a:r>
               <a:rPr lang="en-US" sz="2000" dirty="0"/>
-              <a:t>Facts about V06</a:t>
-            </a:r>
+              <a:t>Facts about V07 - </a:t>
+            </a:r>
+            <a:r>
+              <a:rPr lang="en-US" sz="2000" dirty="0" err="1"/>
+              <a:t>colorGamble</a:t>
+            </a:r>
+            <a:endParaRPr lang="en-US" sz="2000" dirty="0"/>
           </a:p>
         </p:txBody>
       </p:sp>
@@ -4999,7 +4807,7 @@
           <a:p>
             <a:r>
               <a:rPr lang="en-US" sz="1400" dirty="0"/>
-              <a:t>Gamble is offered for a 1200 </a:t>
+              <a:t>Gamble is offered for a 1500 </a:t>
             </a:r>
             <a:r>
               <a:rPr lang="en-US" sz="1400" dirty="0" err="1"/>
@@ -5025,7 +4833,23 @@
           <a:p>
             <a:r>
               <a:rPr lang="en-US" sz="1400" dirty="0"/>
-              <a:t>Key difference: active button press (spacebar) AVOIDS gambling </a:t>
+              <a:t>Key difference: gamble may be colored blue (</a:t>
+            </a:r>
+            <a:r>
+              <a:rPr lang="en-US" sz="1400" dirty="0" err="1"/>
+              <a:t>activeTrial</a:t>
+            </a:r>
+            <a:r>
+              <a:rPr lang="en-US" sz="1400" dirty="0"/>
+              <a:t>) or orange (</a:t>
+            </a:r>
+            <a:r>
+              <a:rPr lang="en-US" sz="1400" dirty="0" err="1"/>
+              <a:t>ignoreTrial</a:t>
+            </a:r>
+            <a:r>
+              <a:rPr lang="en-US" sz="1400" dirty="0"/>
+              <a:t>). For blue gambles, pressing spacebar == gamble. For orange gambles, pressing spacebar == ignores gamble. Each trial’ gamble color for every participant is stochastic. </a:t>
             </a:r>
           </a:p>
         </p:txBody>
@@ -5062,10 +4886,10 @@
       </p:grpSpPr>
       <p:pic>
         <p:nvPicPr>
-          <p:cNvPr id="3" name="Picture 2">
-            <a:extLst>
-              <a:ext uri="{FF2B5EF4-FFF2-40B4-BE49-F238E27FC236}">
-                <a16:creationId xmlns:a16="http://schemas.microsoft.com/office/drawing/2014/main" id="{2B35DA5F-ADBA-45A2-A182-CC15A1A1EFE8}"/>
+          <p:cNvPr id="2" name="Picture 1">
+            <a:extLst>
+              <a:ext uri="{FF2B5EF4-FFF2-40B4-BE49-F238E27FC236}">
+                <a16:creationId xmlns:a16="http://schemas.microsoft.com/office/drawing/2014/main" id="{697C13E5-5ED5-4614-9451-937ACCA771C7}"/>
               </a:ext>
             </a:extLst>
           </p:cNvPr>
@@ -5082,8 +4906,8 @@
         </p:blipFill>
         <p:spPr>
           <a:xfrm>
-            <a:off x="513502" y="252067"/>
-            <a:ext cx="3972803" cy="2766773"/>
+            <a:off x="626405" y="255181"/>
+            <a:ext cx="4890836" cy="2593305"/>
           </a:xfrm>
           <a:prstGeom prst="rect">
             <a:avLst/>
@@ -5092,10 +4916,10 @@
       </p:pic>
       <p:pic>
         <p:nvPicPr>
-          <p:cNvPr id="4" name="Picture 3">
-            <a:extLst>
-              <a:ext uri="{FF2B5EF4-FFF2-40B4-BE49-F238E27FC236}">
-                <a16:creationId xmlns:a16="http://schemas.microsoft.com/office/drawing/2014/main" id="{134A5012-DA94-44BB-A0CB-5595E5ABE9EB}"/>
+          <p:cNvPr id="5" name="Picture 4">
+            <a:extLst>
+              <a:ext uri="{FF2B5EF4-FFF2-40B4-BE49-F238E27FC236}">
+                <a16:creationId xmlns:a16="http://schemas.microsoft.com/office/drawing/2014/main" id="{5127BB1A-FB09-4E8F-8543-6EE36A5F0346}"/>
               </a:ext>
             </a:extLst>
           </p:cNvPr>
@@ -5112,8 +4936,8 @@
         </p:blipFill>
         <p:spPr>
           <a:xfrm>
-            <a:off x="421260" y="3517376"/>
-            <a:ext cx="4251407" cy="2960801"/>
+            <a:off x="6832633" y="473122"/>
+            <a:ext cx="4890835" cy="2593304"/>
           </a:xfrm>
           <a:prstGeom prst="rect">
             <a:avLst/>
@@ -5122,10 +4946,10 @@
       </p:pic>
       <p:pic>
         <p:nvPicPr>
-          <p:cNvPr id="6" name="Picture 5">
-            <a:extLst>
-              <a:ext uri="{FF2B5EF4-FFF2-40B4-BE49-F238E27FC236}">
-                <a16:creationId xmlns:a16="http://schemas.microsoft.com/office/drawing/2014/main" id="{ECAEF92C-B82A-4148-A553-8B278CB6D0F5}"/>
+          <p:cNvPr id="7" name="Picture 6">
+            <a:extLst>
+              <a:ext uri="{FF2B5EF4-FFF2-40B4-BE49-F238E27FC236}">
+                <a16:creationId xmlns:a16="http://schemas.microsoft.com/office/drawing/2014/main" id="{F22412F3-DE6E-4517-8C5C-DDBB82F01B4B}"/>
               </a:ext>
             </a:extLst>
           </p:cNvPr>
@@ -5142,8 +4966,8 @@
         </p:blipFill>
         <p:spPr>
           <a:xfrm>
-            <a:off x="7268445" y="3609871"/>
-            <a:ext cx="4056305" cy="2824927"/>
+            <a:off x="0" y="2876350"/>
+            <a:ext cx="4411265" cy="2339018"/>
           </a:xfrm>
           <a:prstGeom prst="rect">
             <a:avLst/>
@@ -5152,10 +4976,10 @@
       </p:pic>
       <p:pic>
         <p:nvPicPr>
-          <p:cNvPr id="8" name="Picture 7">
-            <a:extLst>
-              <a:ext uri="{FF2B5EF4-FFF2-40B4-BE49-F238E27FC236}">
-                <a16:creationId xmlns:a16="http://schemas.microsoft.com/office/drawing/2014/main" id="{359D277A-4D67-41EA-BAC0-C100769C73D2}"/>
+          <p:cNvPr id="9" name="Picture 8">
+            <a:extLst>
+              <a:ext uri="{FF2B5EF4-FFF2-40B4-BE49-F238E27FC236}">
+                <a16:creationId xmlns:a16="http://schemas.microsoft.com/office/drawing/2014/main" id="{0030031F-3D6A-43FF-AD66-360EBD85834A}"/>
               </a:ext>
             </a:extLst>
           </p:cNvPr>
@@ -5172,8 +4996,38 @@
         </p:blipFill>
         <p:spPr>
           <a:xfrm>
-            <a:off x="7092277" y="397635"/>
-            <a:ext cx="3855357" cy="2684981"/>
+            <a:off x="3890366" y="4272280"/>
+            <a:ext cx="4411267" cy="2339019"/>
+          </a:xfrm>
+          <a:prstGeom prst="rect">
+            <a:avLst/>
+          </a:prstGeom>
+        </p:spPr>
+      </p:pic>
+      <p:pic>
+        <p:nvPicPr>
+          <p:cNvPr id="10" name="Picture 9">
+            <a:extLst>
+              <a:ext uri="{FF2B5EF4-FFF2-40B4-BE49-F238E27FC236}">
+                <a16:creationId xmlns:a16="http://schemas.microsoft.com/office/drawing/2014/main" id="{EB0A9BD4-7E94-4407-99F5-67BEBB1EF8BF}"/>
+              </a:ext>
+            </a:extLst>
+          </p:cNvPr>
+          <p:cNvPicPr>
+            <a:picLocks noChangeAspect="1"/>
+          </p:cNvPicPr>
+          <p:nvPr/>
+        </p:nvPicPr>
+        <p:blipFill>
+          <a:blip r:embed="rId6"/>
+          <a:stretch>
+            <a:fillRect/>
+          </a:stretch>
+        </p:blipFill>
+        <p:spPr>
+          <a:xfrm>
+            <a:off x="7780737" y="3066426"/>
+            <a:ext cx="4411269" cy="2339020"/>
           </a:xfrm>
           <a:prstGeom prst="rect">
             <a:avLst/>
@@ -5210,12 +5064,255 @@
           <a:chExt cx="0" cy="0"/>
         </a:xfrm>
       </p:grpSpPr>
+      <p:sp>
+        <p:nvSpPr>
+          <p:cNvPr id="4" name="Title 1">
+            <a:extLst>
+              <a:ext uri="{FF2B5EF4-FFF2-40B4-BE49-F238E27FC236}">
+                <a16:creationId xmlns:a16="http://schemas.microsoft.com/office/drawing/2014/main" id="{F69E3B3A-343A-4780-BF00-C77B4CF59B9C}"/>
+              </a:ext>
+            </a:extLst>
+          </p:cNvPr>
+          <p:cNvSpPr txBox="1">
+            <a:spLocks/>
+          </p:cNvSpPr>
+          <p:nvPr/>
+        </p:nvSpPr>
+        <p:spPr>
+          <a:xfrm>
+            <a:off x="838200" y="524614"/>
+            <a:ext cx="4443614" cy="658332"/>
+          </a:xfrm>
+          <a:prstGeom prst="rect">
+            <a:avLst/>
+          </a:prstGeom>
+        </p:spPr>
+        <p:txBody>
+          <a:bodyPr vert="horz" lIns="91440" tIns="45720" rIns="91440" bIns="45720" rtlCol="0" anchor="ctr">
+            <a:normAutofit/>
+          </a:bodyPr>
+          <a:lstStyle>
+            <a:lvl1pPr algn="l" defTabSz="914400" rtl="0" eaLnBrk="1" latinLnBrk="0" hangingPunct="1">
+              <a:lnSpc>
+                <a:spcPct val="90000"/>
+              </a:lnSpc>
+              <a:spcBef>
+                <a:spcPct val="0"/>
+              </a:spcBef>
+              <a:buNone/>
+              <a:defRPr sz="4400" kern="1200">
+                <a:solidFill>
+                  <a:schemeClr val="tx1"/>
+                </a:solidFill>
+                <a:latin typeface="+mj-lt"/>
+                <a:ea typeface="+mj-ea"/>
+                <a:cs typeface="+mj-cs"/>
+              </a:defRPr>
+            </a:lvl1pPr>
+          </a:lstStyle>
+          <a:p>
+            <a:r>
+              <a:rPr lang="en-US" sz="2000" dirty="0"/>
+              <a:t>LMER results (stuck to mostly fixed effects for now)</a:t>
+            </a:r>
+          </a:p>
+        </p:txBody>
+      </p:sp>
+      <p:sp>
+        <p:nvSpPr>
+          <p:cNvPr id="7" name="Title 1">
+            <a:extLst>
+              <a:ext uri="{FF2B5EF4-FFF2-40B4-BE49-F238E27FC236}">
+                <a16:creationId xmlns:a16="http://schemas.microsoft.com/office/drawing/2014/main" id="{C648C07B-0270-4516-B8C4-36A738FFCDA9}"/>
+              </a:ext>
+            </a:extLst>
+          </p:cNvPr>
+          <p:cNvSpPr txBox="1">
+            <a:spLocks/>
+          </p:cNvSpPr>
+          <p:nvPr/>
+        </p:nvSpPr>
+        <p:spPr>
+          <a:xfrm>
+            <a:off x="838200" y="735491"/>
+            <a:ext cx="4595037" cy="2395797"/>
+          </a:xfrm>
+          <a:prstGeom prst="rect">
+            <a:avLst/>
+          </a:prstGeom>
+        </p:spPr>
+        <p:txBody>
+          <a:bodyPr vert="horz" lIns="91440" tIns="45720" rIns="91440" bIns="45720" rtlCol="0" anchor="ctr">
+            <a:normAutofit/>
+          </a:bodyPr>
+          <a:lstStyle>
+            <a:lvl1pPr algn="l" defTabSz="914400" rtl="0" eaLnBrk="1" latinLnBrk="0" hangingPunct="1">
+              <a:lnSpc>
+                <a:spcPct val="90000"/>
+              </a:lnSpc>
+              <a:spcBef>
+                <a:spcPct val="0"/>
+              </a:spcBef>
+              <a:buNone/>
+              <a:defRPr sz="4400" kern="1200">
+                <a:solidFill>
+                  <a:schemeClr val="tx1"/>
+                </a:solidFill>
+                <a:latin typeface="+mj-lt"/>
+                <a:ea typeface="+mj-ea"/>
+                <a:cs typeface="+mj-cs"/>
+              </a:defRPr>
+            </a:lvl1pPr>
+          </a:lstStyle>
+          <a:p>
+            <a:r>
+              <a:rPr lang="en-US" sz="1400" dirty="0"/>
+              <a:t>Log model with the following predictors:</a:t>
+            </a:r>
+          </a:p>
+          <a:p>
+            <a:r>
+              <a:rPr lang="en-US" sz="1400" dirty="0"/>
+              <a:t>-</a:t>
+            </a:r>
+            <a:r>
+              <a:rPr lang="en-US" sz="1400" dirty="0" err="1"/>
+              <a:t>gambleDelay</a:t>
+            </a:r>
+            <a:endParaRPr lang="en-US" sz="1400" dirty="0"/>
+          </a:p>
+          <a:p>
+            <a:r>
+              <a:rPr lang="en-US" sz="1400" dirty="0"/>
+              <a:t>-Value(coded as </a:t>
+            </a:r>
+            <a:r>
+              <a:rPr lang="en-US" sz="1400" dirty="0" err="1"/>
+              <a:t>contodds</a:t>
+            </a:r>
+            <a:r>
+              <a:rPr lang="en-US" sz="1400" dirty="0"/>
+              <a:t>)</a:t>
+            </a:r>
+          </a:p>
+          <a:p>
+            <a:r>
+              <a:rPr lang="en-US" sz="1400" dirty="0"/>
+              <a:t>-gamblePrevTrial1 2 3 (did you gamble 1, 2 or 3 trials ago)</a:t>
+            </a:r>
+          </a:p>
+          <a:p>
+            <a:r>
+              <a:rPr lang="en-US" sz="1400" dirty="0"/>
+              <a:t>-Baseline Propensity to Gamble</a:t>
+            </a:r>
+          </a:p>
+          <a:p>
+            <a:r>
+              <a:rPr lang="en-US" sz="1400" dirty="0"/>
+              <a:t>-Baseline Propensity to Press spacebar</a:t>
+            </a:r>
+          </a:p>
+          <a:p>
+            <a:endParaRPr lang="en-US" sz="1400" dirty="0"/>
+          </a:p>
+        </p:txBody>
+      </p:sp>
+      <p:sp>
+        <p:nvSpPr>
+          <p:cNvPr id="8" name="Title 1">
+            <a:extLst>
+              <a:ext uri="{FF2B5EF4-FFF2-40B4-BE49-F238E27FC236}">
+                <a16:creationId xmlns:a16="http://schemas.microsoft.com/office/drawing/2014/main" id="{80F1C35D-6006-482E-9384-5D34E9AC6AE9}"/>
+              </a:ext>
+            </a:extLst>
+          </p:cNvPr>
+          <p:cNvSpPr txBox="1">
+            <a:spLocks/>
+          </p:cNvSpPr>
+          <p:nvPr/>
+        </p:nvSpPr>
+        <p:spPr>
+          <a:xfrm>
+            <a:off x="7742275" y="0"/>
+            <a:ext cx="2525785" cy="2395797"/>
+          </a:xfrm>
+          <a:prstGeom prst="rect">
+            <a:avLst/>
+          </a:prstGeom>
+        </p:spPr>
+        <p:txBody>
+          <a:bodyPr vert="horz" lIns="91440" tIns="45720" rIns="91440" bIns="45720" rtlCol="0" anchor="ctr">
+            <a:normAutofit/>
+          </a:bodyPr>
+          <a:lstStyle>
+            <a:lvl1pPr algn="l" defTabSz="914400" rtl="0" eaLnBrk="1" latinLnBrk="0" hangingPunct="1">
+              <a:lnSpc>
+                <a:spcPct val="90000"/>
+              </a:lnSpc>
+              <a:spcBef>
+                <a:spcPct val="0"/>
+              </a:spcBef>
+              <a:buNone/>
+              <a:defRPr sz="4400" kern="1200">
+                <a:solidFill>
+                  <a:schemeClr val="tx1"/>
+                </a:solidFill>
+                <a:latin typeface="+mj-lt"/>
+                <a:ea typeface="+mj-ea"/>
+                <a:cs typeface="+mj-cs"/>
+              </a:defRPr>
+            </a:lvl1pPr>
+          </a:lstStyle>
+          <a:p>
+            <a:r>
+              <a:rPr lang="en-US" sz="1400" dirty="0"/>
+              <a:t>Log model with the following predictors:</a:t>
+            </a:r>
+          </a:p>
+          <a:p>
+            <a:r>
+              <a:rPr lang="en-US" sz="1400" dirty="0"/>
+              <a:t>-</a:t>
+            </a:r>
+            <a:r>
+              <a:rPr lang="en-US" sz="1400" dirty="0" err="1"/>
+              <a:t>gambleDelay</a:t>
+            </a:r>
+            <a:endParaRPr lang="en-US" sz="1400" dirty="0"/>
+          </a:p>
+          <a:p>
+            <a:r>
+              <a:rPr lang="en-US" sz="1400" dirty="0"/>
+              <a:t>-Value(coded as </a:t>
+            </a:r>
+            <a:r>
+              <a:rPr lang="en-US" sz="1400" dirty="0" err="1"/>
+              <a:t>contodds</a:t>
+            </a:r>
+            <a:r>
+              <a:rPr lang="en-US" sz="1400" dirty="0"/>
+              <a:t>)</a:t>
+            </a:r>
+            <a:br>
+              <a:rPr lang="en-US" sz="1400" dirty="0"/>
+            </a:br>
+            <a:r>
+              <a:rPr lang="en-US" sz="1400" dirty="0"/>
+              <a:t>-gamblePrevTrial1 2 3</a:t>
+            </a:r>
+          </a:p>
+          <a:p>
+            <a:endParaRPr lang="en-US" sz="1400" dirty="0"/>
+          </a:p>
+        </p:txBody>
+      </p:sp>
       <p:pic>
         <p:nvPicPr>
-          <p:cNvPr id="10" name="Picture 9">
-            <a:extLst>
-              <a:ext uri="{FF2B5EF4-FFF2-40B4-BE49-F238E27FC236}">
-                <a16:creationId xmlns:a16="http://schemas.microsoft.com/office/drawing/2014/main" id="{8533FE57-90BE-443C-83D1-7E60BDD7BDF5}"/>
+          <p:cNvPr id="9" name="Picture 8">
+            <a:extLst>
+              <a:ext uri="{FF2B5EF4-FFF2-40B4-BE49-F238E27FC236}">
+                <a16:creationId xmlns:a16="http://schemas.microsoft.com/office/drawing/2014/main" id="{EDEE8C94-10EB-466C-A2FA-9D8C697D5F2A}"/>
               </a:ext>
             </a:extLst>
           </p:cNvPr>
@@ -5232,55 +5329,20 @@
         </p:blipFill>
         <p:spPr>
           <a:xfrm>
-            <a:off x="4478214" y="2898525"/>
-            <a:ext cx="6323958" cy="3428800"/>
+            <a:off x="838200" y="2605041"/>
+            <a:ext cx="4443614" cy="3912716"/>
           </a:xfrm>
           <a:prstGeom prst="rect">
             <a:avLst/>
           </a:prstGeom>
         </p:spPr>
       </p:pic>
-      <p:sp>
-        <p:nvSpPr>
-          <p:cNvPr id="4" name="Title 1">
-            <a:extLst>
-              <a:ext uri="{FF2B5EF4-FFF2-40B4-BE49-F238E27FC236}">
-                <a16:creationId xmlns:a16="http://schemas.microsoft.com/office/drawing/2014/main" id="{F90A0724-B0F6-4615-A9A9-B38E3C20CF20}"/>
-              </a:ext>
-            </a:extLst>
-          </p:cNvPr>
-          <p:cNvSpPr>
-            <a:spLocks noGrp="1"/>
-          </p:cNvSpPr>
-          <p:nvPr>
-            <p:ph type="title"/>
-          </p:nvPr>
-        </p:nvSpPr>
-        <p:spPr>
-          <a:xfrm>
-            <a:off x="175470" y="0"/>
-            <a:ext cx="9169866" cy="977114"/>
-          </a:xfrm>
-        </p:spPr>
-        <p:txBody>
-          <a:bodyPr>
-            <a:normAutofit/>
-          </a:bodyPr>
-          <a:lstStyle/>
-          <a:p>
-            <a:r>
-              <a:rPr lang="en-US" sz="2400" dirty="0"/>
-              <a:t>All data</a:t>
-            </a:r>
-          </a:p>
-        </p:txBody>
-      </p:sp>
       <p:pic>
         <p:nvPicPr>
-          <p:cNvPr id="9" name="Picture 8">
-            <a:extLst>
-              <a:ext uri="{FF2B5EF4-FFF2-40B4-BE49-F238E27FC236}">
-                <a16:creationId xmlns:a16="http://schemas.microsoft.com/office/drawing/2014/main" id="{D8AD4705-779E-49E1-940F-4BEB9E8B574A}"/>
+          <p:cNvPr id="11" name="Picture 10">
+            <a:extLst>
+              <a:ext uri="{FF2B5EF4-FFF2-40B4-BE49-F238E27FC236}">
+                <a16:creationId xmlns:a16="http://schemas.microsoft.com/office/drawing/2014/main" id="{33F5BE74-DE0D-498A-AAF4-BBCE9782EAE3}"/>
               </a:ext>
             </a:extLst>
           </p:cNvPr>
@@ -5297,98 +5359,8 @@
         </p:blipFill>
         <p:spPr>
           <a:xfrm>
-            <a:off x="8669131" y="3905312"/>
-            <a:ext cx="3238066" cy="2255081"/>
-          </a:xfrm>
-          <a:prstGeom prst="rect">
-            <a:avLst/>
-          </a:prstGeom>
-        </p:spPr>
-      </p:pic>
-      <p:pic>
-        <p:nvPicPr>
-          <p:cNvPr id="5" name="Picture 4">
-            <a:extLst>
-              <a:ext uri="{FF2B5EF4-FFF2-40B4-BE49-F238E27FC236}">
-                <a16:creationId xmlns:a16="http://schemas.microsoft.com/office/drawing/2014/main" id="{C299A7CC-99B2-41B4-8FA5-B6439E0EBFD2}"/>
-              </a:ext>
-            </a:extLst>
-          </p:cNvPr>
-          <p:cNvPicPr>
-            <a:picLocks noChangeAspect="1"/>
-          </p:cNvPicPr>
-          <p:nvPr/>
-        </p:nvPicPr>
-        <p:blipFill>
-          <a:blip r:embed="rId4"/>
-          <a:stretch>
-            <a:fillRect/>
-          </a:stretch>
-        </p:blipFill>
-        <p:spPr>
-          <a:xfrm>
-            <a:off x="548863" y="711637"/>
-            <a:ext cx="3466667" cy="2414286"/>
-          </a:xfrm>
-          <a:prstGeom prst="rect">
-            <a:avLst/>
-          </a:prstGeom>
-        </p:spPr>
-      </p:pic>
-      <p:pic>
-        <p:nvPicPr>
-          <p:cNvPr id="6" name="Picture 5">
-            <a:extLst>
-              <a:ext uri="{FF2B5EF4-FFF2-40B4-BE49-F238E27FC236}">
-                <a16:creationId xmlns:a16="http://schemas.microsoft.com/office/drawing/2014/main" id="{2C7C1206-D674-4EA9-B89D-CB40787FFC2D}"/>
-              </a:ext>
-            </a:extLst>
-          </p:cNvPr>
-          <p:cNvPicPr>
-            <a:picLocks noChangeAspect="1"/>
-          </p:cNvPicPr>
-          <p:nvPr/>
-        </p:nvPicPr>
-        <p:blipFill>
-          <a:blip r:embed="rId5"/>
-          <a:stretch>
-            <a:fillRect/>
-          </a:stretch>
-        </p:blipFill>
-        <p:spPr>
-          <a:xfrm>
-            <a:off x="287297" y="3732078"/>
-            <a:ext cx="4190917" cy="2918674"/>
-          </a:xfrm>
-          <a:prstGeom prst="rect">
-            <a:avLst/>
-          </a:prstGeom>
-        </p:spPr>
-      </p:pic>
-      <p:pic>
-        <p:nvPicPr>
-          <p:cNvPr id="11" name="Picture 10">
-            <a:extLst>
-              <a:ext uri="{FF2B5EF4-FFF2-40B4-BE49-F238E27FC236}">
-                <a16:creationId xmlns:a16="http://schemas.microsoft.com/office/drawing/2014/main" id="{6A63B4D5-0ED5-4B09-AEA5-E3A22FB32D33}"/>
-              </a:ext>
-            </a:extLst>
-          </p:cNvPr>
-          <p:cNvPicPr>
-            <a:picLocks noChangeAspect="1"/>
-          </p:cNvPicPr>
-          <p:nvPr/>
-        </p:nvPicPr>
-        <p:blipFill>
-          <a:blip r:embed="rId6"/>
-          <a:stretch>
-            <a:fillRect/>
-          </a:stretch>
-        </p:blipFill>
-        <p:spPr>
-          <a:xfrm>
-            <a:off x="7830948" y="88235"/>
-            <a:ext cx="4076249" cy="2492953"/>
+            <a:off x="5905112" y="1813001"/>
+            <a:ext cx="6200110" cy="4524004"/>
           </a:xfrm>
           <a:prstGeom prst="rect">
             <a:avLst/>
@@ -5398,7 +5370,7 @@
     </p:spTree>
     <p:extLst>
       <p:ext uri="{BB962C8B-B14F-4D97-AF65-F5344CB8AC3E}">
-        <p14:creationId xmlns:p14="http://schemas.microsoft.com/office/powerpoint/2010/main" val="188081310"/>
+        <p14:creationId xmlns:p14="http://schemas.microsoft.com/office/powerpoint/2010/main" val="2457738442"/>
       </p:ext>
     </p:extLst>
   </p:cSld>
@@ -5455,17 +5427,17 @@
           <a:p>
             <a:r>
               <a:rPr lang="en-US" sz="2400" dirty="0"/>
-              <a:t>Low Mag</a:t>
+              <a:t>All data</a:t>
             </a:r>
           </a:p>
         </p:txBody>
       </p:sp>
       <p:pic>
         <p:nvPicPr>
-          <p:cNvPr id="8" name="Picture 7">
-            <a:extLst>
-              <a:ext uri="{FF2B5EF4-FFF2-40B4-BE49-F238E27FC236}">
-                <a16:creationId xmlns:a16="http://schemas.microsoft.com/office/drawing/2014/main" id="{FBEDEB9B-162B-42D3-8E00-524AED7EDBFB}"/>
+          <p:cNvPr id="2" name="Picture 1">
+            <a:extLst>
+              <a:ext uri="{FF2B5EF4-FFF2-40B4-BE49-F238E27FC236}">
+                <a16:creationId xmlns:a16="http://schemas.microsoft.com/office/drawing/2014/main" id="{C96DAC25-90AB-4096-B1BA-8ECD3B699C9D}"/>
               </a:ext>
             </a:extLst>
           </p:cNvPr>
@@ -5482,8 +5454,8 @@
         </p:blipFill>
         <p:spPr>
           <a:xfrm>
-            <a:off x="661413" y="1005303"/>
-            <a:ext cx="4420329" cy="2703386"/>
+            <a:off x="272346" y="707064"/>
+            <a:ext cx="4409524" cy="2338095"/>
           </a:xfrm>
           <a:prstGeom prst="rect">
             <a:avLst/>
@@ -5492,10 +5464,10 @@
       </p:pic>
       <p:pic>
         <p:nvPicPr>
-          <p:cNvPr id="9" name="Picture 8">
-            <a:extLst>
-              <a:ext uri="{FF2B5EF4-FFF2-40B4-BE49-F238E27FC236}">
-                <a16:creationId xmlns:a16="http://schemas.microsoft.com/office/drawing/2014/main" id="{5808F17D-5AF9-4AF5-9C4C-002BDDFFEDF3}"/>
+          <p:cNvPr id="3" name="Picture 2">
+            <a:extLst>
+              <a:ext uri="{FF2B5EF4-FFF2-40B4-BE49-F238E27FC236}">
+                <a16:creationId xmlns:a16="http://schemas.microsoft.com/office/drawing/2014/main" id="{F54536D0-9E0C-4CF6-AFC4-BC2CDA42063F}"/>
               </a:ext>
             </a:extLst>
           </p:cNvPr>
@@ -5512,8 +5484,8 @@
         </p:blipFill>
         <p:spPr>
           <a:xfrm>
-            <a:off x="7426157" y="1154546"/>
-            <a:ext cx="3696942" cy="2260976"/>
+            <a:off x="5500021" y="707064"/>
+            <a:ext cx="4409524" cy="2338095"/>
           </a:xfrm>
           <a:prstGeom prst="rect">
             <a:avLst/>
@@ -5522,10 +5494,10 @@
       </p:pic>
       <p:pic>
         <p:nvPicPr>
-          <p:cNvPr id="10" name="Picture 9">
-            <a:extLst>
-              <a:ext uri="{FF2B5EF4-FFF2-40B4-BE49-F238E27FC236}">
-                <a16:creationId xmlns:a16="http://schemas.microsoft.com/office/drawing/2014/main" id="{6909E40F-63C4-40BE-8B37-9306D6265839}"/>
+          <p:cNvPr id="7" name="Picture 6">
+            <a:extLst>
+              <a:ext uri="{FF2B5EF4-FFF2-40B4-BE49-F238E27FC236}">
+                <a16:creationId xmlns:a16="http://schemas.microsoft.com/office/drawing/2014/main" id="{A7B85DB6-9BDE-472D-B693-E4C1A2CE77FB}"/>
               </a:ext>
             </a:extLst>
           </p:cNvPr>
@@ -5542,8 +5514,8 @@
         </p:blipFill>
         <p:spPr>
           <a:xfrm>
-            <a:off x="661413" y="3997157"/>
-            <a:ext cx="4149869" cy="2537978"/>
+            <a:off x="201622" y="3718260"/>
+            <a:ext cx="3814094" cy="2022376"/>
           </a:xfrm>
           <a:prstGeom prst="rect">
             <a:avLst/>
@@ -5552,10 +5524,10 @@
       </p:pic>
       <p:pic>
         <p:nvPicPr>
-          <p:cNvPr id="11" name="Picture 10">
-            <a:extLst>
-              <a:ext uri="{FF2B5EF4-FFF2-40B4-BE49-F238E27FC236}">
-                <a16:creationId xmlns:a16="http://schemas.microsoft.com/office/drawing/2014/main" id="{3AA76E3A-3221-407C-9A26-11911E74DE48}"/>
+          <p:cNvPr id="8" name="Picture 7">
+            <a:extLst>
+              <a:ext uri="{FF2B5EF4-FFF2-40B4-BE49-F238E27FC236}">
+                <a16:creationId xmlns:a16="http://schemas.microsoft.com/office/drawing/2014/main" id="{8790AD73-19F9-4DB7-8619-619FAD242CF5}"/>
               </a:ext>
             </a:extLst>
           </p:cNvPr>
@@ -5572,8 +5544,38 @@
         </p:blipFill>
         <p:spPr>
           <a:xfrm>
-            <a:off x="7225910" y="3997157"/>
-            <a:ext cx="3965387" cy="2425152"/>
+            <a:off x="4325838" y="3718260"/>
+            <a:ext cx="3679415" cy="2087117"/>
+          </a:xfrm>
+          <a:prstGeom prst="rect">
+            <a:avLst/>
+          </a:prstGeom>
+        </p:spPr>
+      </p:pic>
+      <p:pic>
+        <p:nvPicPr>
+          <p:cNvPr id="14" name="Picture 13">
+            <a:extLst>
+              <a:ext uri="{FF2B5EF4-FFF2-40B4-BE49-F238E27FC236}">
+                <a16:creationId xmlns:a16="http://schemas.microsoft.com/office/drawing/2014/main" id="{2C990D53-DAC3-4643-BBA5-6EEF031F932C}"/>
+              </a:ext>
+            </a:extLst>
+          </p:cNvPr>
+          <p:cNvPicPr>
+            <a:picLocks noChangeAspect="1"/>
+          </p:cNvPicPr>
+          <p:nvPr/>
+        </p:nvPicPr>
+        <p:blipFill>
+          <a:blip r:embed="rId6"/>
+          <a:stretch>
+            <a:fillRect/>
+          </a:stretch>
+        </p:blipFill>
+        <p:spPr>
+          <a:xfrm>
+            <a:off x="8315375" y="3812843"/>
+            <a:ext cx="3544608" cy="1879484"/>
           </a:xfrm>
           <a:prstGeom prst="rect">
             <a:avLst/>
@@ -5583,7 +5585,7 @@
     </p:spTree>
     <p:extLst>
       <p:ext uri="{BB962C8B-B14F-4D97-AF65-F5344CB8AC3E}">
-        <p14:creationId xmlns:p14="http://schemas.microsoft.com/office/powerpoint/2010/main" val="1556551016"/>
+        <p14:creationId xmlns:p14="http://schemas.microsoft.com/office/powerpoint/2010/main" val="188081310"/>
       </p:ext>
     </p:extLst>
   </p:cSld>
@@ -5615,42 +5617,61 @@
           <p:cNvPr id="4" name="Title 1">
             <a:extLst>
               <a:ext uri="{FF2B5EF4-FFF2-40B4-BE49-F238E27FC236}">
-                <a16:creationId xmlns:a16="http://schemas.microsoft.com/office/drawing/2014/main" id="{F90A0724-B0F6-4615-A9A9-B38E3C20CF20}"/>
-              </a:ext>
-            </a:extLst>
-          </p:cNvPr>
-          <p:cNvSpPr>
-            <a:spLocks noGrp="1"/>
-          </p:cNvSpPr>
-          <p:nvPr>
-            <p:ph type="title"/>
-          </p:nvPr>
+                <a16:creationId xmlns:a16="http://schemas.microsoft.com/office/drawing/2014/main" id="{6249550A-9FAA-4FFE-8603-AD3FEC3EFC4D}"/>
+              </a:ext>
+            </a:extLst>
+          </p:cNvPr>
+          <p:cNvSpPr txBox="1">
+            <a:spLocks/>
+          </p:cNvSpPr>
+          <p:nvPr/>
         </p:nvSpPr>
         <p:spPr>
           <a:xfrm>
             <a:off x="175470" y="0"/>
             <a:ext cx="9169866" cy="977114"/>
           </a:xfrm>
-        </p:spPr>
-        <p:txBody>
-          <a:bodyPr>
+          <a:prstGeom prst="rect">
+            <a:avLst/>
+          </a:prstGeom>
+        </p:spPr>
+        <p:txBody>
+          <a:bodyPr vert="horz" lIns="91440" tIns="45720" rIns="91440" bIns="45720" rtlCol="0" anchor="ctr">
             <a:normAutofit/>
           </a:bodyPr>
-          <a:lstStyle/>
+          <a:lstStyle>
+            <a:lvl1pPr algn="l" defTabSz="914400" rtl="0" eaLnBrk="1" latinLnBrk="0" hangingPunct="1">
+              <a:lnSpc>
+                <a:spcPct val="90000"/>
+              </a:lnSpc>
+              <a:spcBef>
+                <a:spcPct val="0"/>
+              </a:spcBef>
+              <a:buNone/>
+              <a:defRPr sz="4400" kern="1200">
+                <a:solidFill>
+                  <a:schemeClr val="tx1"/>
+                </a:solidFill>
+                <a:latin typeface="+mj-lt"/>
+                <a:ea typeface="+mj-ea"/>
+                <a:cs typeface="+mj-cs"/>
+              </a:defRPr>
+            </a:lvl1pPr>
+          </a:lstStyle>
           <a:p>
             <a:r>
               <a:rPr lang="en-US" sz="2400" dirty="0"/>
-              <a:t>Mid Mag</a:t>
+              <a:t>Expected value sensitivity; all participants</a:t>
             </a:r>
           </a:p>
         </p:txBody>
       </p:sp>
       <p:pic>
         <p:nvPicPr>
-          <p:cNvPr id="7" name="Picture 6">
-            <a:extLst>
-              <a:ext uri="{FF2B5EF4-FFF2-40B4-BE49-F238E27FC236}">
-                <a16:creationId xmlns:a16="http://schemas.microsoft.com/office/drawing/2014/main" id="{B943E689-630C-407D-B400-F325BEBC9368}"/>
+          <p:cNvPr id="5" name="Picture 4">
+            <a:extLst>
+              <a:ext uri="{FF2B5EF4-FFF2-40B4-BE49-F238E27FC236}">
+                <a16:creationId xmlns:a16="http://schemas.microsoft.com/office/drawing/2014/main" id="{961EF9CD-5D35-4FDB-8B0A-DF9340F5D935}"/>
               </a:ext>
             </a:extLst>
           </p:cNvPr>
@@ -5667,8 +5688,8 @@
         </p:blipFill>
         <p:spPr>
           <a:xfrm>
-            <a:off x="571251" y="3753758"/>
-            <a:ext cx="4218527" cy="2579967"/>
+            <a:off x="813795" y="1681406"/>
+            <a:ext cx="3460493" cy="1834883"/>
           </a:xfrm>
           <a:prstGeom prst="rect">
             <a:avLst/>
@@ -5677,10 +5698,10 @@
       </p:pic>
       <p:pic>
         <p:nvPicPr>
-          <p:cNvPr id="8" name="Picture 7">
-            <a:extLst>
-              <a:ext uri="{FF2B5EF4-FFF2-40B4-BE49-F238E27FC236}">
-                <a16:creationId xmlns:a16="http://schemas.microsoft.com/office/drawing/2014/main" id="{F3B66D47-378D-4ABF-A2DB-77DEFFD0C2E3}"/>
+          <p:cNvPr id="6" name="Picture 5">
+            <a:extLst>
+              <a:ext uri="{FF2B5EF4-FFF2-40B4-BE49-F238E27FC236}">
+                <a16:creationId xmlns:a16="http://schemas.microsoft.com/office/drawing/2014/main" id="{E506DC74-B7E4-4EA7-87ED-E3369917D2F2}"/>
               </a:ext>
             </a:extLst>
           </p:cNvPr>
@@ -5697,8 +5718,8 @@
         </p:blipFill>
         <p:spPr>
           <a:xfrm>
-            <a:off x="6896550" y="920655"/>
-            <a:ext cx="4101417" cy="2508345"/>
+            <a:off x="4574179" y="1681406"/>
+            <a:ext cx="3343535" cy="1772868"/>
           </a:xfrm>
           <a:prstGeom prst="rect">
             <a:avLst/>
@@ -5707,10 +5728,10 @@
       </p:pic>
       <p:pic>
         <p:nvPicPr>
-          <p:cNvPr id="9" name="Picture 8">
-            <a:extLst>
-              <a:ext uri="{FF2B5EF4-FFF2-40B4-BE49-F238E27FC236}">
-                <a16:creationId xmlns:a16="http://schemas.microsoft.com/office/drawing/2014/main" id="{80C9F81C-4242-4085-88C7-0034C25D41AF}"/>
+          <p:cNvPr id="7" name="Picture 6">
+            <a:extLst>
+              <a:ext uri="{FF2B5EF4-FFF2-40B4-BE49-F238E27FC236}">
+                <a16:creationId xmlns:a16="http://schemas.microsoft.com/office/drawing/2014/main" id="{23675C4E-BEEF-47AB-9D13-75F227E0B294}"/>
               </a:ext>
             </a:extLst>
           </p:cNvPr>
@@ -5727,38 +5748,8 @@
         </p:blipFill>
         <p:spPr>
           <a:xfrm>
-            <a:off x="571251" y="948885"/>
-            <a:ext cx="4101417" cy="2508345"/>
-          </a:xfrm>
-          <a:prstGeom prst="rect">
-            <a:avLst/>
-          </a:prstGeom>
-        </p:spPr>
-      </p:pic>
-      <p:pic>
-        <p:nvPicPr>
-          <p:cNvPr id="10" name="Picture 9">
-            <a:extLst>
-              <a:ext uri="{FF2B5EF4-FFF2-40B4-BE49-F238E27FC236}">
-                <a16:creationId xmlns:a16="http://schemas.microsoft.com/office/drawing/2014/main" id="{4F6D291F-ADF5-4A7F-9DF3-390D1E4C5230}"/>
-              </a:ext>
-            </a:extLst>
-          </p:cNvPr>
-          <p:cNvPicPr>
-            <a:picLocks noChangeAspect="1"/>
-          </p:cNvPicPr>
-          <p:nvPr/>
-        </p:nvPicPr>
-        <p:blipFill>
-          <a:blip r:embed="rId5"/>
-          <a:stretch>
-            <a:fillRect/>
-          </a:stretch>
-        </p:blipFill>
-        <p:spPr>
-          <a:xfrm>
-            <a:off x="7089496" y="3855402"/>
-            <a:ext cx="4361476" cy="2667392"/>
+            <a:off x="8342458" y="1681406"/>
+            <a:ext cx="3247031" cy="1721698"/>
           </a:xfrm>
           <a:prstGeom prst="rect">
             <a:avLst/>
@@ -5768,7 +5759,7 @@
     </p:spTree>
     <p:extLst>
       <p:ext uri="{BB962C8B-B14F-4D97-AF65-F5344CB8AC3E}">
-        <p14:creationId xmlns:p14="http://schemas.microsoft.com/office/powerpoint/2010/main" val="111594888"/>
+        <p14:creationId xmlns:p14="http://schemas.microsoft.com/office/powerpoint/2010/main" val="1525119517"/>
       </p:ext>
     </p:extLst>
   </p:cSld>
@@ -5825,17 +5816,17 @@
           <a:p>
             <a:r>
               <a:rPr lang="en-US" sz="2400" dirty="0"/>
-              <a:t>High Mag</a:t>
+              <a:t>Low Mag</a:t>
             </a:r>
           </a:p>
         </p:txBody>
       </p:sp>
       <p:pic>
         <p:nvPicPr>
-          <p:cNvPr id="7" name="Picture 6">
-            <a:extLst>
-              <a:ext uri="{FF2B5EF4-FFF2-40B4-BE49-F238E27FC236}">
-                <a16:creationId xmlns:a16="http://schemas.microsoft.com/office/drawing/2014/main" id="{6528DBC4-035F-4BF0-8162-7BC8350A51E0}"/>
+          <p:cNvPr id="2" name="Picture 1">
+            <a:extLst>
+              <a:ext uri="{FF2B5EF4-FFF2-40B4-BE49-F238E27FC236}">
+                <a16:creationId xmlns:a16="http://schemas.microsoft.com/office/drawing/2014/main" id="{E9BBB321-D07D-43CB-8D5A-32B7385F0D6B}"/>
               </a:ext>
             </a:extLst>
           </p:cNvPr>
@@ -5852,8 +5843,8 @@
         </p:blipFill>
         <p:spPr>
           <a:xfrm>
-            <a:off x="395082" y="977114"/>
-            <a:ext cx="4076250" cy="2492954"/>
+            <a:off x="868325" y="1160864"/>
+            <a:ext cx="3993281" cy="2117387"/>
           </a:xfrm>
           <a:prstGeom prst="rect">
             <a:avLst/>
@@ -5862,10 +5853,10 @@
       </p:pic>
       <p:pic>
         <p:nvPicPr>
-          <p:cNvPr id="8" name="Picture 7">
-            <a:extLst>
-              <a:ext uri="{FF2B5EF4-FFF2-40B4-BE49-F238E27FC236}">
-                <a16:creationId xmlns:a16="http://schemas.microsoft.com/office/drawing/2014/main" id="{D03F8469-259D-41BE-AD8A-60C7E9862A26}"/>
+          <p:cNvPr id="5" name="Picture 4">
+            <a:extLst>
+              <a:ext uri="{FF2B5EF4-FFF2-40B4-BE49-F238E27FC236}">
+                <a16:creationId xmlns:a16="http://schemas.microsoft.com/office/drawing/2014/main" id="{E7A59DCD-6FE0-4500-A4E9-DF9943E02E57}"/>
               </a:ext>
             </a:extLst>
           </p:cNvPr>
@@ -5882,8 +5873,8 @@
         </p:blipFill>
         <p:spPr>
           <a:xfrm>
-            <a:off x="7135236" y="766762"/>
-            <a:ext cx="4420199" cy="2703306"/>
+            <a:off x="5918235" y="595836"/>
+            <a:ext cx="5405440" cy="2866166"/>
           </a:xfrm>
           <a:prstGeom prst="rect">
             <a:avLst/>
@@ -5892,10 +5883,10 @@
       </p:pic>
       <p:pic>
         <p:nvPicPr>
-          <p:cNvPr id="9" name="Picture 8">
-            <a:extLst>
-              <a:ext uri="{FF2B5EF4-FFF2-40B4-BE49-F238E27FC236}">
-                <a16:creationId xmlns:a16="http://schemas.microsoft.com/office/drawing/2014/main" id="{9334CCFA-AD6C-433E-89FB-D1AA50F1EE95}"/>
+          <p:cNvPr id="6" name="Picture 5">
+            <a:extLst>
+              <a:ext uri="{FF2B5EF4-FFF2-40B4-BE49-F238E27FC236}">
+                <a16:creationId xmlns:a16="http://schemas.microsoft.com/office/drawing/2014/main" id="{B4C6D223-4A7E-4E6D-BB5B-848EFF4952B1}"/>
               </a:ext>
             </a:extLst>
           </p:cNvPr>
@@ -5912,8 +5903,8 @@
         </p:blipFill>
         <p:spPr>
           <a:xfrm>
-            <a:off x="315386" y="4083361"/>
-            <a:ext cx="4235641" cy="2590434"/>
+            <a:off x="431834" y="3917256"/>
+            <a:ext cx="4671794" cy="2477160"/>
           </a:xfrm>
           <a:prstGeom prst="rect">
             <a:avLst/>
@@ -5922,10 +5913,10 @@
       </p:pic>
       <p:pic>
         <p:nvPicPr>
-          <p:cNvPr id="10" name="Picture 9">
-            <a:extLst>
-              <a:ext uri="{FF2B5EF4-FFF2-40B4-BE49-F238E27FC236}">
-                <a16:creationId xmlns:a16="http://schemas.microsoft.com/office/drawing/2014/main" id="{E00B904F-901F-45B5-A695-CE6BB328B22E}"/>
+          <p:cNvPr id="7" name="Picture 6">
+            <a:extLst>
+              <a:ext uri="{FF2B5EF4-FFF2-40B4-BE49-F238E27FC236}">
+                <a16:creationId xmlns:a16="http://schemas.microsoft.com/office/drawing/2014/main" id="{EBD535BE-2109-4923-BDE4-697A6EAC6A7F}"/>
               </a:ext>
             </a:extLst>
           </p:cNvPr>
@@ -5942,8 +5933,8 @@
         </p:blipFill>
         <p:spPr>
           <a:xfrm>
-            <a:off x="7319794" y="4083361"/>
-            <a:ext cx="4235641" cy="2590434"/>
+            <a:off x="6407332" y="3660664"/>
+            <a:ext cx="4916343" cy="2606829"/>
           </a:xfrm>
           <a:prstGeom prst="rect">
             <a:avLst/>
@@ -5953,7 +5944,7 @@
     </p:spTree>
     <p:extLst>
       <p:ext uri="{BB962C8B-B14F-4D97-AF65-F5344CB8AC3E}">
-        <p14:creationId xmlns:p14="http://schemas.microsoft.com/office/powerpoint/2010/main" val="864770650"/>
+        <p14:creationId xmlns:p14="http://schemas.microsoft.com/office/powerpoint/2010/main" val="1556551016"/>
       </p:ext>
     </p:extLst>
   </p:cSld>
@@ -6010,17 +6001,17 @@
           <a:p>
             <a:r>
               <a:rPr lang="en-US" sz="2400" dirty="0"/>
-              <a:t>Low value (previously called odds)</a:t>
+              <a:t>Mid Mag</a:t>
             </a:r>
           </a:p>
         </p:txBody>
       </p:sp>
       <p:pic>
         <p:nvPicPr>
-          <p:cNvPr id="6" name="Picture 5">
-            <a:extLst>
-              <a:ext uri="{FF2B5EF4-FFF2-40B4-BE49-F238E27FC236}">
-                <a16:creationId xmlns:a16="http://schemas.microsoft.com/office/drawing/2014/main" id="{2891251C-0A0F-4999-BEA6-6D5B93F28764}"/>
+          <p:cNvPr id="2" name="Picture 1">
+            <a:extLst>
+              <a:ext uri="{FF2B5EF4-FFF2-40B4-BE49-F238E27FC236}">
+                <a16:creationId xmlns:a16="http://schemas.microsoft.com/office/drawing/2014/main" id="{EBBF00DF-E01A-4B7B-84F3-CC3F7CAB4098}"/>
               </a:ext>
             </a:extLst>
           </p:cNvPr>
@@ -6037,8 +6028,8 @@
         </p:blipFill>
         <p:spPr>
           <a:xfrm>
-            <a:off x="269247" y="977114"/>
-            <a:ext cx="3782636" cy="2313385"/>
+            <a:off x="6524290" y="669950"/>
+            <a:ext cx="5086464" cy="2697034"/>
           </a:xfrm>
           <a:prstGeom prst="rect">
             <a:avLst/>
@@ -6047,10 +6038,10 @@
       </p:pic>
       <p:pic>
         <p:nvPicPr>
-          <p:cNvPr id="8" name="Picture 7">
-            <a:extLst>
-              <a:ext uri="{FF2B5EF4-FFF2-40B4-BE49-F238E27FC236}">
-                <a16:creationId xmlns:a16="http://schemas.microsoft.com/office/drawing/2014/main" id="{263F3473-EFE9-41AD-9C83-C48655EC180E}"/>
+          <p:cNvPr id="3" name="Picture 2">
+            <a:extLst>
+              <a:ext uri="{FF2B5EF4-FFF2-40B4-BE49-F238E27FC236}">
+                <a16:creationId xmlns:a16="http://schemas.microsoft.com/office/drawing/2014/main" id="{FAA46994-5500-49A3-8B6E-6C1D324FF31F}"/>
               </a:ext>
             </a:extLst>
           </p:cNvPr>
@@ -6067,8 +6058,8 @@
         </p:blipFill>
         <p:spPr>
           <a:xfrm>
-            <a:off x="303202" y="4194917"/>
-            <a:ext cx="3874914" cy="2369821"/>
+            <a:off x="420390" y="731966"/>
+            <a:ext cx="4852547" cy="2573002"/>
           </a:xfrm>
           <a:prstGeom prst="rect">
             <a:avLst/>
@@ -6077,10 +6068,10 @@
       </p:pic>
       <p:pic>
         <p:nvPicPr>
-          <p:cNvPr id="9" name="Picture 8">
-            <a:extLst>
-              <a:ext uri="{FF2B5EF4-FFF2-40B4-BE49-F238E27FC236}">
-                <a16:creationId xmlns:a16="http://schemas.microsoft.com/office/drawing/2014/main" id="{0808B3E2-4A4D-4744-9725-AD6671A74593}"/>
+          <p:cNvPr id="5" name="Picture 4">
+            <a:extLst>
+              <a:ext uri="{FF2B5EF4-FFF2-40B4-BE49-F238E27FC236}">
+                <a16:creationId xmlns:a16="http://schemas.microsoft.com/office/drawing/2014/main" id="{8EB03FB3-51E0-41C3-81F7-45874406CB35}"/>
               </a:ext>
             </a:extLst>
           </p:cNvPr>
@@ -6097,8 +6088,8 @@
         </p:blipFill>
         <p:spPr>
           <a:xfrm>
-            <a:off x="7244694" y="4153872"/>
-            <a:ext cx="4009138" cy="2451909"/>
+            <a:off x="6524290" y="3633586"/>
+            <a:ext cx="5086464" cy="2697034"/>
           </a:xfrm>
           <a:prstGeom prst="rect">
             <a:avLst/>
@@ -6107,10 +6098,10 @@
       </p:pic>
       <p:pic>
         <p:nvPicPr>
-          <p:cNvPr id="10" name="Picture 9">
-            <a:extLst>
-              <a:ext uri="{FF2B5EF4-FFF2-40B4-BE49-F238E27FC236}">
-                <a16:creationId xmlns:a16="http://schemas.microsoft.com/office/drawing/2014/main" id="{14E257C1-1AE0-43BC-B4A1-85F4B880F0EC}"/>
+          <p:cNvPr id="6" name="Picture 5">
+            <a:extLst>
+              <a:ext uri="{FF2B5EF4-FFF2-40B4-BE49-F238E27FC236}">
+                <a16:creationId xmlns:a16="http://schemas.microsoft.com/office/drawing/2014/main" id="{C8C7EE61-0646-4B6F-808E-D2CB0875E1AC}"/>
               </a:ext>
             </a:extLst>
           </p:cNvPr>
@@ -6127,8 +6118,8 @@
         </p:blipFill>
         <p:spPr>
           <a:xfrm>
-            <a:off x="7193959" y="818068"/>
-            <a:ext cx="4302753" cy="2631478"/>
+            <a:off x="272903" y="3562471"/>
+            <a:ext cx="5394808" cy="2860530"/>
           </a:xfrm>
           <a:prstGeom prst="rect">
             <a:avLst/>
@@ -6138,7 +6129,7 @@
     </p:spTree>
     <p:extLst>
       <p:ext uri="{BB962C8B-B14F-4D97-AF65-F5344CB8AC3E}">
-        <p14:creationId xmlns:p14="http://schemas.microsoft.com/office/powerpoint/2010/main" val="4138266969"/>
+        <p14:creationId xmlns:p14="http://schemas.microsoft.com/office/powerpoint/2010/main" val="111594888"/>
       </p:ext>
     </p:extLst>
   </p:cSld>
@@ -6195,17 +6186,17 @@
           <a:p>
             <a:r>
               <a:rPr lang="en-US" sz="2400" dirty="0"/>
-              <a:t>Mid value</a:t>
+              <a:t>High Mag</a:t>
             </a:r>
           </a:p>
         </p:txBody>
       </p:sp>
       <p:pic>
         <p:nvPicPr>
-          <p:cNvPr id="7" name="Picture 6">
-            <a:extLst>
-              <a:ext uri="{FF2B5EF4-FFF2-40B4-BE49-F238E27FC236}">
-                <a16:creationId xmlns:a16="http://schemas.microsoft.com/office/drawing/2014/main" id="{D3660904-0EFE-4E7E-8318-7356EF678FA6}"/>
+          <p:cNvPr id="2" name="Picture 1">
+            <a:extLst>
+              <a:ext uri="{FF2B5EF4-FFF2-40B4-BE49-F238E27FC236}">
+                <a16:creationId xmlns:a16="http://schemas.microsoft.com/office/drawing/2014/main" id="{4752AF0E-1A46-4421-BCF3-4E5BB29B5C0B}"/>
               </a:ext>
             </a:extLst>
           </p:cNvPr>
@@ -6222,8 +6213,8 @@
         </p:blipFill>
         <p:spPr>
           <a:xfrm>
-            <a:off x="369915" y="977114"/>
-            <a:ext cx="3128294" cy="1913203"/>
+            <a:off x="410569" y="865068"/>
+            <a:ext cx="4693059" cy="2488436"/>
           </a:xfrm>
           <a:prstGeom prst="rect">
             <a:avLst/>
@@ -6232,10 +6223,10 @@
       </p:pic>
       <p:pic>
         <p:nvPicPr>
-          <p:cNvPr id="8" name="Picture 7">
-            <a:extLst>
-              <a:ext uri="{FF2B5EF4-FFF2-40B4-BE49-F238E27FC236}">
-                <a16:creationId xmlns:a16="http://schemas.microsoft.com/office/drawing/2014/main" id="{AD26F0B4-C5E2-467C-856B-35853181ED7A}"/>
+          <p:cNvPr id="3" name="Picture 2">
+            <a:extLst>
+              <a:ext uri="{FF2B5EF4-FFF2-40B4-BE49-F238E27FC236}">
+                <a16:creationId xmlns:a16="http://schemas.microsoft.com/office/drawing/2014/main" id="{3BE73181-E9FE-42E5-B104-56394DF83C55}"/>
               </a:ext>
             </a:extLst>
           </p:cNvPr>
@@ -6252,8 +6243,8 @@
         </p:blipFill>
         <p:spPr>
           <a:xfrm>
-            <a:off x="369915" y="3867431"/>
-            <a:ext cx="4067467" cy="2487582"/>
+            <a:off x="6571113" y="757951"/>
+            <a:ext cx="4895077" cy="2595553"/>
           </a:xfrm>
           <a:prstGeom prst="rect">
             <a:avLst/>
@@ -6262,10 +6253,10 @@
       </p:pic>
       <p:pic>
         <p:nvPicPr>
-          <p:cNvPr id="9" name="Picture 8">
-            <a:extLst>
-              <a:ext uri="{FF2B5EF4-FFF2-40B4-BE49-F238E27FC236}">
-                <a16:creationId xmlns:a16="http://schemas.microsoft.com/office/drawing/2014/main" id="{9B723F03-5912-40F5-9124-4C9BD25C1B73}"/>
+          <p:cNvPr id="5" name="Picture 4">
+            <a:extLst>
+              <a:ext uri="{FF2B5EF4-FFF2-40B4-BE49-F238E27FC236}">
+                <a16:creationId xmlns:a16="http://schemas.microsoft.com/office/drawing/2014/main" id="{9F48981B-48D7-4015-8DC7-C6887208A139}"/>
               </a:ext>
             </a:extLst>
           </p:cNvPr>
@@ -6282,8 +6273,8 @@
         </p:blipFill>
         <p:spPr>
           <a:xfrm>
-            <a:off x="7072718" y="828411"/>
-            <a:ext cx="3947619" cy="2414286"/>
+            <a:off x="506262" y="3610542"/>
+            <a:ext cx="4969505" cy="2635018"/>
           </a:xfrm>
           <a:prstGeom prst="rect">
             <a:avLst/>
@@ -6292,10 +6283,10 @@
       </p:pic>
       <p:pic>
         <p:nvPicPr>
-          <p:cNvPr id="10" name="Picture 9">
-            <a:extLst>
-              <a:ext uri="{FF2B5EF4-FFF2-40B4-BE49-F238E27FC236}">
-                <a16:creationId xmlns:a16="http://schemas.microsoft.com/office/drawing/2014/main" id="{A8F1B746-A76B-4ABC-A35D-0BEAA8E10B96}"/>
+          <p:cNvPr id="6" name="Picture 5">
+            <a:extLst>
+              <a:ext uri="{FF2B5EF4-FFF2-40B4-BE49-F238E27FC236}">
+                <a16:creationId xmlns:a16="http://schemas.microsoft.com/office/drawing/2014/main" id="{A7687094-AB01-4B15-8364-3C59F8A42924}"/>
               </a:ext>
             </a:extLst>
           </p:cNvPr>
@@ -6312,8 +6303,8 @@
         </p:blipFill>
         <p:spPr>
           <a:xfrm>
-            <a:off x="6930106" y="3615303"/>
-            <a:ext cx="4420199" cy="2703306"/>
+            <a:off x="6390263" y="3504497"/>
+            <a:ext cx="5256776" cy="2787340"/>
           </a:xfrm>
           <a:prstGeom prst="rect">
             <a:avLst/>
@@ -6323,7 +6314,7 @@
     </p:spTree>
     <p:extLst>
       <p:ext uri="{BB962C8B-B14F-4D97-AF65-F5344CB8AC3E}">
-        <p14:creationId xmlns:p14="http://schemas.microsoft.com/office/powerpoint/2010/main" val="2130673036"/>
+        <p14:creationId xmlns:p14="http://schemas.microsoft.com/office/powerpoint/2010/main" val="864770650"/>
       </p:ext>
     </p:extLst>
   </p:cSld>
